--- a/RoujinHomePPT/RoujinHomePPT.pptx
+++ b/RoujinHomePPT/RoujinHomePPT.pptx
@@ -5,7 +5,7 @@
     <p:sldMasterId id="2147483696" r:id="rId1"/>
   </p:sldMasterIdLst>
   <p:notesMasterIdLst>
-    <p:notesMasterId r:id="rId16"/>
+    <p:notesMasterId r:id="rId22"/>
   </p:notesMasterIdLst>
   <p:sldIdLst>
     <p:sldId id="256" r:id="rId2"/>
@@ -19,9 +19,15 @@
     <p:sldId id="264" r:id="rId10"/>
     <p:sldId id="265" r:id="rId11"/>
     <p:sldId id="266" r:id="rId12"/>
-    <p:sldId id="267" r:id="rId13"/>
-    <p:sldId id="268" r:id="rId14"/>
-    <p:sldId id="269" r:id="rId15"/>
+    <p:sldId id="270" r:id="rId13"/>
+    <p:sldId id="271" r:id="rId14"/>
+    <p:sldId id="272" r:id="rId15"/>
+    <p:sldId id="273" r:id="rId16"/>
+    <p:sldId id="267" r:id="rId17"/>
+    <p:sldId id="274" r:id="rId18"/>
+    <p:sldId id="275" r:id="rId19"/>
+    <p:sldId id="268" r:id="rId20"/>
+    <p:sldId id="269" r:id="rId21"/>
   </p:sldIdLst>
   <p:sldSz cx="9144000" cy="6858000" type="screen4x3"/>
   <p:notesSz cx="6858000" cy="9144000"/>
@@ -205,7 +211,7 @@
           <a:p>
             <a:fld id="{7D8ADD0A-1444-4295-ABDA-7131C7126DEE}" type="datetimeFigureOut">
               <a:rPr lang="ko-KR" altLang="en-US" smtClean="0"/>
-              <a:t>2020-05-21</a:t>
+              <a:t>2020-06-04</a:t>
             </a:fld>
             <a:endParaRPr lang="ko-KR" altLang="en-US"/>
           </a:p>
@@ -667,7 +673,7 @@
           <a:p>
             <a:fld id="{6AA6C8F3-7746-478D-8625-96502A2C5657}" type="datetimeFigureOut">
               <a:rPr lang="ko-KR" altLang="en-US" smtClean="0"/>
-              <a:t>2020-05-21</a:t>
+              <a:t>2020-06-04</a:t>
             </a:fld>
             <a:endParaRPr lang="ko-KR" altLang="en-US"/>
           </a:p>
@@ -832,7 +838,7 @@
           <a:p>
             <a:fld id="{6AA6C8F3-7746-478D-8625-96502A2C5657}" type="datetimeFigureOut">
               <a:rPr lang="ko-KR" altLang="en-US" smtClean="0"/>
-              <a:t>2020-05-21</a:t>
+              <a:t>2020-06-04</a:t>
             </a:fld>
             <a:endParaRPr lang="ko-KR" altLang="en-US"/>
           </a:p>
@@ -1007,7 +1013,7 @@
           <a:p>
             <a:fld id="{6AA6C8F3-7746-478D-8625-96502A2C5657}" type="datetimeFigureOut">
               <a:rPr lang="ko-KR" altLang="en-US" smtClean="0"/>
-              <a:t>2020-05-21</a:t>
+              <a:t>2020-06-04</a:t>
             </a:fld>
             <a:endParaRPr lang="ko-KR" altLang="en-US"/>
           </a:p>
@@ -1172,7 +1178,7 @@
           <a:p>
             <a:fld id="{6AA6C8F3-7746-478D-8625-96502A2C5657}" type="datetimeFigureOut">
               <a:rPr lang="ko-KR" altLang="en-US" smtClean="0"/>
-              <a:t>2020-05-21</a:t>
+              <a:t>2020-06-04</a:t>
             </a:fld>
             <a:endParaRPr lang="ko-KR" altLang="en-US"/>
           </a:p>
@@ -1413,7 +1419,7 @@
           <a:p>
             <a:fld id="{6AA6C8F3-7746-478D-8625-96502A2C5657}" type="datetimeFigureOut">
               <a:rPr lang="ko-KR" altLang="en-US" smtClean="0"/>
-              <a:t>2020-05-21</a:t>
+              <a:t>2020-06-04</a:t>
             </a:fld>
             <a:endParaRPr lang="ko-KR" altLang="en-US"/>
           </a:p>
@@ -1696,7 +1702,7 @@
           <a:p>
             <a:fld id="{6AA6C8F3-7746-478D-8625-96502A2C5657}" type="datetimeFigureOut">
               <a:rPr lang="ko-KR" altLang="en-US" smtClean="0"/>
-              <a:t>2020-05-21</a:t>
+              <a:t>2020-06-04</a:t>
             </a:fld>
             <a:endParaRPr lang="ko-KR" altLang="en-US"/>
           </a:p>
@@ -2125,7 +2131,7 @@
           <a:p>
             <a:fld id="{6AA6C8F3-7746-478D-8625-96502A2C5657}" type="datetimeFigureOut">
               <a:rPr lang="ko-KR" altLang="en-US" smtClean="0"/>
-              <a:t>2020-05-21</a:t>
+              <a:t>2020-06-04</a:t>
             </a:fld>
             <a:endParaRPr lang="ko-KR" altLang="en-US"/>
           </a:p>
@@ -2238,7 +2244,7 @@
           <a:p>
             <a:fld id="{6AA6C8F3-7746-478D-8625-96502A2C5657}" type="datetimeFigureOut">
               <a:rPr lang="ko-KR" altLang="en-US" smtClean="0"/>
-              <a:t>2020-05-21</a:t>
+              <a:t>2020-06-04</a:t>
             </a:fld>
             <a:endParaRPr lang="ko-KR" altLang="en-US"/>
           </a:p>
@@ -2328,7 +2334,7 @@
           <a:p>
             <a:fld id="{6AA6C8F3-7746-478D-8625-96502A2C5657}" type="datetimeFigureOut">
               <a:rPr lang="ko-KR" altLang="en-US" smtClean="0"/>
-              <a:t>2020-05-21</a:t>
+              <a:t>2020-06-04</a:t>
             </a:fld>
             <a:endParaRPr lang="ko-KR" altLang="en-US"/>
           </a:p>
@@ -2517,7 +2523,7 @@
           <a:p>
             <a:fld id="{6AA6C8F3-7746-478D-8625-96502A2C5657}" type="datetimeFigureOut">
               <a:rPr lang="ko-KR" altLang="en-US" smtClean="0"/>
-              <a:t>2020-05-21</a:t>
+              <a:t>2020-06-04</a:t>
             </a:fld>
             <a:endParaRPr lang="ko-KR" altLang="en-US"/>
           </a:p>
@@ -2835,7 +2841,7 @@
           <a:p>
             <a:fld id="{6AA6C8F3-7746-478D-8625-96502A2C5657}" type="datetimeFigureOut">
               <a:rPr lang="ko-KR" altLang="en-US" smtClean="0"/>
-              <a:t>2020-05-21</a:t>
+              <a:t>2020-06-04</a:t>
             </a:fld>
             <a:endParaRPr lang="ko-KR" altLang="en-US"/>
           </a:p>
@@ -3214,7 +3220,7 @@
           <a:p>
             <a:fld id="{6AA6C8F3-7746-478D-8625-96502A2C5657}" type="datetimeFigureOut">
               <a:rPr lang="ko-KR" altLang="en-US" smtClean="0"/>
-              <a:t>2020-05-21</a:t>
+              <a:t>2020-06-04</a:t>
             </a:fld>
             <a:endParaRPr lang="ko-KR" altLang="en-US"/>
           </a:p>
@@ -3812,7 +3818,7 @@
         <p:spPr>
           <a:xfrm>
             <a:off x="5508103" y="1556791"/>
-            <a:ext cx="3060453" cy="646331"/>
+            <a:ext cx="3060453" cy="923330"/>
           </a:xfrm>
           <a:prstGeom prst="rect">
             <a:avLst/>
@@ -3827,7 +3833,22 @@
           <a:p>
             <a:r>
               <a:rPr lang="ko-KR" altLang="en-US" dirty="0" smtClean="0"/>
-              <a:t>해당 계정에서 등록된</a:t>
+              <a:t>해당 </a:t>
+            </a:r>
+            <a:r>
+              <a:rPr lang="ko-KR" altLang="en-US" dirty="0" smtClean="0"/>
+              <a:t>시설 관계자</a:t>
+            </a:r>
+            <a:endParaRPr lang="en-US" altLang="ko-KR" dirty="0" smtClean="0"/>
+          </a:p>
+          <a:p>
+            <a:r>
+              <a:rPr lang="ko-KR" altLang="en-US" dirty="0" smtClean="0"/>
+              <a:t>계정에서 </a:t>
+            </a:r>
+            <a:r>
+              <a:rPr lang="ko-KR" altLang="en-US" dirty="0" smtClean="0"/>
+              <a:t>등록된</a:t>
             </a:r>
             <a:endParaRPr lang="en-US" altLang="ko-KR" dirty="0" smtClean="0"/>
           </a:p>
@@ -4033,8 +4054,8 @@
         </p:nvCxnSpPr>
         <p:spPr>
           <a:xfrm flipV="1">
-            <a:off x="2807804" y="1879957"/>
-            <a:ext cx="2700299" cy="180891"/>
+            <a:off x="2807804" y="2018456"/>
+            <a:ext cx="2700299" cy="42392"/>
           </a:xfrm>
           <a:prstGeom prst="line">
             <a:avLst/>
@@ -4492,7 +4513,7 @@
         <p:spPr>
           <a:xfrm>
             <a:off x="179017" y="225874"/>
-            <a:ext cx="697627" cy="400110"/>
+            <a:ext cx="1252266" cy="400110"/>
           </a:xfrm>
           <a:prstGeom prst="rect">
             <a:avLst/>
@@ -4506,12 +4527,12 @@
           <a:lstStyle/>
           <a:p>
             <a:r>
-              <a:rPr lang="ko-KR" altLang="en-US" sz="2000" u="sng" dirty="0" err="1" smtClean="0"/>
-              <a:t>그</a:t>
-            </a:r>
-            <a:r>
-              <a:rPr lang="ko-KR" altLang="en-US" sz="2000" u="sng" dirty="0" err="1"/>
-              <a:t>외</a:t>
+              <a:rPr lang="ko-KR" altLang="en-US" sz="2000" u="sng" dirty="0" smtClean="0"/>
+              <a:t>시설 </a:t>
+            </a:r>
+            <a:r>
+              <a:rPr lang="en-US" altLang="ko-KR" sz="2000" u="sng" dirty="0" smtClean="0"/>
+              <a:t>Q&amp;A</a:t>
             </a:r>
             <a:endParaRPr lang="ko-KR" altLang="en-US" sz="2000" u="sng" dirty="0"/>
           </a:p>
@@ -4539,8 +4560,8 @@
         </p:blipFill>
         <p:spPr>
           <a:xfrm>
-            <a:off x="168042" y="1628800"/>
-            <a:ext cx="5088565" cy="3816424"/>
+            <a:off x="323528" y="1628800"/>
+            <a:ext cx="5545111" cy="4158833"/>
           </a:xfrm>
           <a:prstGeom prst="rect">
             <a:avLst/>
@@ -4555,8 +4576,8 @@
         </p:nvSpPr>
         <p:spPr>
           <a:xfrm>
-            <a:off x="5364088" y="2488843"/>
-            <a:ext cx="2988319" cy="1754326"/>
+            <a:off x="6156176" y="1628800"/>
+            <a:ext cx="2137124" cy="923330"/>
           </a:xfrm>
           <a:prstGeom prst="rect">
             <a:avLst/>
@@ -4570,131 +4591,124 @@
           <a:lstStyle/>
           <a:p>
             <a:r>
+              <a:rPr lang="ko-KR" altLang="en-US" dirty="0" smtClean="0"/>
+              <a:t>일반 </a:t>
+            </a:r>
+            <a:r>
               <a:rPr lang="en-US" altLang="ko-KR" dirty="0" smtClean="0"/>
-              <a:t>Admin </a:t>
-            </a:r>
-            <a:r>
-              <a:rPr lang="ko-KR" altLang="en-US" dirty="0" smtClean="0"/>
-              <a:t>권한의 계정으로</a:t>
+              <a:t>user</a:t>
+            </a:r>
+            <a:r>
+              <a:rPr lang="ko-KR" altLang="en-US" dirty="0" smtClean="0"/>
+              <a:t>는</a:t>
             </a:r>
             <a:endParaRPr lang="en-US" altLang="ko-KR" dirty="0" smtClean="0"/>
           </a:p>
           <a:p>
             <a:r>
               <a:rPr lang="ko-KR" altLang="en-US" dirty="0" smtClean="0"/>
-              <a:t>로그인 시</a:t>
+              <a:t>시설마다 </a:t>
+            </a:r>
+            <a:r>
+              <a:rPr lang="ko-KR" altLang="en-US" dirty="0" err="1" smtClean="0"/>
+              <a:t>문의글을</a:t>
             </a:r>
             <a:endParaRPr lang="en-US" altLang="ko-KR" dirty="0" smtClean="0"/>
           </a:p>
           <a:p>
             <a:r>
               <a:rPr lang="ko-KR" altLang="en-US" dirty="0" smtClean="0"/>
-              <a:t>등록된 유저의 계정을</a:t>
+              <a:t>등록할 수 있습니다</a:t>
+            </a:r>
+            <a:endParaRPr lang="ko-KR" altLang="en-US" dirty="0"/>
+          </a:p>
+        </p:txBody>
+      </p:sp>
+      <p:sp>
+        <p:nvSpPr>
+          <p:cNvPr id="7" name="TextBox 6"/>
+          <p:cNvSpPr txBox="1"/>
+          <p:nvPr/>
+        </p:nvSpPr>
+        <p:spPr>
+          <a:xfrm>
+            <a:off x="6156176" y="2816352"/>
+            <a:ext cx="1800493" cy="1200329"/>
+          </a:xfrm>
+          <a:prstGeom prst="rect">
+            <a:avLst/>
+          </a:prstGeom>
+          <a:noFill/>
+        </p:spPr>
+        <p:txBody>
+          <a:bodyPr wrap="none" rtlCol="0">
+            <a:spAutoFit/>
+          </a:bodyPr>
+          <a:lstStyle/>
+          <a:p>
+            <a:r>
+              <a:rPr lang="en-US" altLang="ko-KR" dirty="0" smtClean="0"/>
+              <a:t>Q&amp;A</a:t>
+            </a:r>
+            <a:r>
+              <a:rPr lang="ko-KR" altLang="en-US" dirty="0" smtClean="0"/>
+              <a:t>와 관련된</a:t>
             </a:r>
             <a:endParaRPr lang="en-US" altLang="ko-KR" dirty="0" smtClean="0"/>
           </a:p>
           <a:p>
             <a:r>
-              <a:rPr lang="ko-KR" altLang="en-US" dirty="0" smtClean="0"/>
-              <a:t>활성화</a:t>
-            </a:r>
-            <a:r>
               <a:rPr lang="en-US" altLang="ko-KR" dirty="0" smtClean="0"/>
-              <a:t>, </a:t>
-            </a:r>
-            <a:r>
-              <a:rPr lang="ko-KR" altLang="en-US" dirty="0" smtClean="0"/>
-              <a:t>비활성화</a:t>
+              <a:t>DB</a:t>
+            </a:r>
+            <a:r>
+              <a:rPr lang="ko-KR" altLang="en-US" dirty="0" smtClean="0"/>
+              <a:t>작업에는</a:t>
             </a:r>
             <a:endParaRPr lang="en-US" altLang="ko-KR" dirty="0" smtClean="0"/>
           </a:p>
           <a:p>
             <a:r>
               <a:rPr lang="en-US" altLang="ko-KR" dirty="0" smtClean="0"/>
-              <a:t>(Spring Security Enabled)</a:t>
-            </a:r>
-          </a:p>
-          <a:p>
-            <a:r>
-              <a:rPr lang="ko-KR" altLang="en-US" dirty="0" smtClean="0"/>
-              <a:t>할 수 있는 회원 관리 페이지</a:t>
-            </a:r>
-            <a:endParaRPr lang="ko-KR" altLang="en-US" dirty="0"/>
-          </a:p>
-        </p:txBody>
-      </p:sp>
-      <p:sp>
-        <p:nvSpPr>
-          <p:cNvPr id="7" name="액자 6"/>
-          <p:cNvSpPr/>
-          <p:nvPr/>
-        </p:nvSpPr>
-        <p:spPr>
-          <a:xfrm>
-            <a:off x="1259632" y="2996952"/>
-            <a:ext cx="3096344" cy="2664296"/>
-          </a:xfrm>
-          <a:prstGeom prst="frame">
-            <a:avLst>
-              <a:gd name="adj1" fmla="val 0"/>
-            </a:avLst>
+              <a:t>JPA Hibernate</a:t>
+            </a:r>
+            <a:r>
+              <a:rPr lang="ko-KR" altLang="en-US" dirty="0" smtClean="0"/>
+              <a:t>를</a:t>
+            </a:r>
+            <a:endParaRPr lang="en-US" altLang="ko-KR" dirty="0" smtClean="0"/>
+          </a:p>
+          <a:p>
+            <a:r>
+              <a:rPr lang="ko-KR" altLang="en-US" dirty="0" smtClean="0"/>
+              <a:t>활용하였습니</a:t>
+            </a:r>
+            <a:r>
+              <a:rPr lang="ko-KR" altLang="en-US" dirty="0"/>
+              <a:t>다</a:t>
+            </a:r>
+          </a:p>
+        </p:txBody>
+      </p:sp>
+      <p:cxnSp>
+        <p:nvCxnSpPr>
+          <p:cNvPr id="9" name="구부러진 연결선 8"/>
+          <p:cNvCxnSpPr/>
+          <p:nvPr/>
+        </p:nvCxnSpPr>
+        <p:spPr>
+          <a:xfrm>
+            <a:off x="4355976" y="4149080"/>
+            <a:ext cx="2016224" cy="1008112"/>
+          </a:xfrm>
+          <a:prstGeom prst="curvedConnector3">
+            <a:avLst/>
           </a:prstGeom>
           <a:ln>
             <a:solidFill>
               <a:srgbClr val="FF0000"/>
             </a:solidFill>
-          </a:ln>
-        </p:spPr>
-        <p:style>
-          <a:lnRef idx="2">
-            <a:schemeClr val="accent1">
-              <a:shade val="50000"/>
-            </a:schemeClr>
-          </a:lnRef>
-          <a:fillRef idx="1">
-            <a:schemeClr val="accent1"/>
-          </a:fillRef>
-          <a:effectRef idx="0">
-            <a:schemeClr val="accent1"/>
-          </a:effectRef>
-          <a:fontRef idx="minor">
-            <a:schemeClr val="lt1"/>
-          </a:fontRef>
-        </p:style>
-        <p:txBody>
-          <a:bodyPr rtlCol="0" anchor="ctr"/>
-          <a:lstStyle/>
-          <a:p>
-            <a:pPr algn="ctr"/>
-            <a:endParaRPr lang="ko-KR" altLang="en-US">
-              <a:solidFill>
-                <a:schemeClr val="tx1"/>
-              </a:solidFill>
-            </a:endParaRPr>
-          </a:p>
-        </p:txBody>
-      </p:sp>
-      <p:cxnSp>
-        <p:nvCxnSpPr>
-          <p:cNvPr id="9" name="직선 연결선 8"/>
-          <p:cNvCxnSpPr>
-            <a:stCxn id="7" idx="3"/>
-            <a:endCxn id="5" idx="3"/>
-          </p:cNvCxnSpPr>
-          <p:nvPr/>
-        </p:nvCxnSpPr>
-        <p:spPr>
-          <a:xfrm flipV="1">
-            <a:off x="4355976" y="3537012"/>
-            <a:ext cx="900631" cy="792088"/>
-          </a:xfrm>
-          <a:prstGeom prst="line">
-            <a:avLst/>
-          </a:prstGeom>
-          <a:ln>
-            <a:solidFill>
-              <a:srgbClr val="FF0000"/>
-            </a:solidFill>
+            <a:tailEnd type="arrow"/>
           </a:ln>
         </p:spPr>
         <p:style>
@@ -4712,10 +4726,70 @@
           </a:fontRef>
         </p:style>
       </p:cxnSp>
+      <p:sp>
+        <p:nvSpPr>
+          <p:cNvPr id="11" name="TextBox 10"/>
+          <p:cNvSpPr txBox="1"/>
+          <p:nvPr/>
+        </p:nvSpPr>
+        <p:spPr>
+          <a:xfrm>
+            <a:off x="6373652" y="4864303"/>
+            <a:ext cx="1977529" cy="923330"/>
+          </a:xfrm>
+          <a:prstGeom prst="rect">
+            <a:avLst/>
+          </a:prstGeom>
+          <a:noFill/>
+        </p:spPr>
+        <p:txBody>
+          <a:bodyPr wrap="none" rtlCol="0">
+            <a:spAutoFit/>
+          </a:bodyPr>
+          <a:lstStyle/>
+          <a:p>
+            <a:r>
+              <a:rPr lang="ko-KR" altLang="en-US" dirty="0" err="1" smtClean="0"/>
+              <a:t>문의글</a:t>
+            </a:r>
+            <a:r>
+              <a:rPr lang="ko-KR" altLang="en-US" dirty="0" smtClean="0"/>
+              <a:t> </a:t>
+            </a:r>
+            <a:r>
+              <a:rPr lang="ko-KR" altLang="en-US" dirty="0" err="1" smtClean="0"/>
+              <a:t>등록창은</a:t>
+            </a:r>
+            <a:endParaRPr lang="en-US" altLang="ko-KR" dirty="0" smtClean="0"/>
+          </a:p>
+          <a:p>
+            <a:r>
+              <a:rPr lang="en-US" altLang="ko-KR" dirty="0" smtClean="0"/>
+              <a:t>Bootstrap modal</a:t>
+            </a:r>
+            <a:r>
+              <a:rPr lang="ko-KR" altLang="en-US" dirty="0" smtClean="0"/>
+              <a:t>을</a:t>
+            </a:r>
+            <a:endParaRPr lang="en-US" altLang="ko-KR" dirty="0" smtClean="0"/>
+          </a:p>
+          <a:p>
+            <a:r>
+              <a:rPr lang="ko-KR" altLang="en-US" dirty="0" smtClean="0"/>
+              <a:t>활용하였습니</a:t>
+            </a:r>
+            <a:r>
+              <a:rPr lang="ko-KR" altLang="en-US" dirty="0"/>
+              <a:t>다</a:t>
+            </a:r>
+            <a:endParaRPr lang="en-US" altLang="ko-KR" dirty="0" smtClean="0"/>
+          </a:p>
+        </p:txBody>
+      </p:sp>
     </p:spTree>
     <p:extLst>
       <p:ext uri="{BB962C8B-B14F-4D97-AF65-F5344CB8AC3E}">
-        <p14:creationId xmlns:p14="http://schemas.microsoft.com/office/powerpoint/2010/main" val="224232201"/>
+        <p14:creationId xmlns:p14="http://schemas.microsoft.com/office/powerpoint/2010/main" val="620025758"/>
       </p:ext>
     </p:extLst>
   </p:cSld>
@@ -4758,6 +4832,1977 @@
         <p:spPr>
           <a:xfrm>
             <a:off x="179017" y="225874"/>
+            <a:ext cx="1539204" cy="400110"/>
+          </a:xfrm>
+          <a:prstGeom prst="rect">
+            <a:avLst/>
+          </a:prstGeom>
+          <a:noFill/>
+        </p:spPr>
+        <p:txBody>
+          <a:bodyPr wrap="none" rtlCol="0">
+            <a:spAutoFit/>
+          </a:bodyPr>
+          <a:lstStyle/>
+          <a:p>
+            <a:r>
+              <a:rPr lang="ko-KR" altLang="en-US" sz="2000" u="sng" dirty="0" smtClean="0"/>
+              <a:t>시설 </a:t>
+            </a:r>
+            <a:r>
+              <a:rPr lang="en-US" altLang="ko-KR" sz="2000" u="sng" dirty="0" smtClean="0"/>
+              <a:t>Q&amp;A(2)</a:t>
+            </a:r>
+            <a:endParaRPr lang="ko-KR" altLang="en-US" sz="2000" u="sng" dirty="0"/>
+          </a:p>
+        </p:txBody>
+      </p:sp>
+      <p:pic>
+        <p:nvPicPr>
+          <p:cNvPr id="6" name="그림 5"/>
+          <p:cNvPicPr>
+            <a:picLocks noChangeAspect="1"/>
+          </p:cNvPicPr>
+          <p:nvPr/>
+        </p:nvPicPr>
+        <p:blipFill>
+          <a:blip r:embed="rId2">
+            <a:extLst>
+              <a:ext uri="{28A0092B-C50C-407E-A947-70E740481C1C}">
+                <a14:useLocalDpi xmlns:a14="http://schemas.microsoft.com/office/drawing/2010/main" val="0"/>
+              </a:ext>
+            </a:extLst>
+          </a:blip>
+          <a:stretch>
+            <a:fillRect/>
+          </a:stretch>
+        </p:blipFill>
+        <p:spPr>
+          <a:xfrm>
+            <a:off x="152550" y="1052736"/>
+            <a:ext cx="6344967" cy="4752529"/>
+          </a:xfrm>
+          <a:prstGeom prst="rect">
+            <a:avLst/>
+          </a:prstGeom>
+        </p:spPr>
+      </p:pic>
+      <p:sp>
+        <p:nvSpPr>
+          <p:cNvPr id="7" name="액자 6"/>
+          <p:cNvSpPr/>
+          <p:nvPr/>
+        </p:nvSpPr>
+        <p:spPr>
+          <a:xfrm>
+            <a:off x="964356" y="1243292"/>
+            <a:ext cx="4559485" cy="2160240"/>
+          </a:xfrm>
+          <a:prstGeom prst="frame">
+            <a:avLst>
+              <a:gd name="adj1" fmla="val 0"/>
+            </a:avLst>
+          </a:prstGeom>
+          <a:ln>
+            <a:solidFill>
+              <a:srgbClr val="FF0000"/>
+            </a:solidFill>
+          </a:ln>
+        </p:spPr>
+        <p:style>
+          <a:lnRef idx="2">
+            <a:schemeClr val="accent1">
+              <a:shade val="50000"/>
+            </a:schemeClr>
+          </a:lnRef>
+          <a:fillRef idx="1">
+            <a:schemeClr val="accent1"/>
+          </a:fillRef>
+          <a:effectRef idx="0">
+            <a:schemeClr val="accent1"/>
+          </a:effectRef>
+          <a:fontRef idx="minor">
+            <a:schemeClr val="lt1"/>
+          </a:fontRef>
+        </p:style>
+        <p:txBody>
+          <a:bodyPr rtlCol="0" anchor="ctr"/>
+          <a:lstStyle/>
+          <a:p>
+            <a:pPr algn="ctr"/>
+            <a:endParaRPr lang="ko-KR" altLang="en-US">
+              <a:solidFill>
+                <a:schemeClr val="tx1"/>
+              </a:solidFill>
+            </a:endParaRPr>
+          </a:p>
+        </p:txBody>
+      </p:sp>
+      <p:sp>
+        <p:nvSpPr>
+          <p:cNvPr id="8" name="TextBox 7"/>
+          <p:cNvSpPr txBox="1"/>
+          <p:nvPr/>
+        </p:nvSpPr>
+        <p:spPr>
+          <a:xfrm>
+            <a:off x="6156176" y="1226883"/>
+            <a:ext cx="2420856" cy="1200329"/>
+          </a:xfrm>
+          <a:prstGeom prst="rect">
+            <a:avLst/>
+          </a:prstGeom>
+          <a:noFill/>
+        </p:spPr>
+        <p:txBody>
+          <a:bodyPr wrap="none" rtlCol="0">
+            <a:spAutoFit/>
+          </a:bodyPr>
+          <a:lstStyle/>
+          <a:p>
+            <a:r>
+              <a:rPr lang="ko-KR" altLang="en-US" dirty="0" smtClean="0"/>
+              <a:t>시설관계자 계정으로</a:t>
+            </a:r>
+            <a:endParaRPr lang="en-US" altLang="ko-KR" dirty="0" smtClean="0"/>
+          </a:p>
+          <a:p>
+            <a:r>
+              <a:rPr lang="ko-KR" altLang="en-US" dirty="0" smtClean="0"/>
+              <a:t>접속 시 본인이 등록한</a:t>
+            </a:r>
+            <a:endParaRPr lang="en-US" altLang="ko-KR" dirty="0" smtClean="0"/>
+          </a:p>
+          <a:p>
+            <a:r>
+              <a:rPr lang="ko-KR" altLang="en-US" dirty="0" smtClean="0"/>
+              <a:t>시설의 </a:t>
+            </a:r>
+            <a:r>
+              <a:rPr lang="ko-KR" altLang="en-US" dirty="0" err="1" smtClean="0"/>
+              <a:t>문의글들에</a:t>
+            </a:r>
+            <a:endParaRPr lang="en-US" altLang="ko-KR" dirty="0"/>
+          </a:p>
+          <a:p>
+            <a:r>
+              <a:rPr lang="ko-KR" altLang="en-US" dirty="0" smtClean="0"/>
+              <a:t>답변할 </a:t>
+            </a:r>
+            <a:r>
+              <a:rPr lang="ko-KR" altLang="en-US" smtClean="0"/>
+              <a:t>수</a:t>
+            </a:r>
+            <a:r>
+              <a:rPr lang="en-US" altLang="ko-KR"/>
+              <a:t> </a:t>
+            </a:r>
+            <a:r>
+              <a:rPr lang="ko-KR" altLang="en-US" smtClean="0"/>
+              <a:t>있습니다</a:t>
+            </a:r>
+            <a:endParaRPr lang="en-US" altLang="ko-KR" dirty="0" smtClean="0"/>
+          </a:p>
+        </p:txBody>
+      </p:sp>
+      <p:cxnSp>
+        <p:nvCxnSpPr>
+          <p:cNvPr id="10" name="직선 화살표 연결선 9"/>
+          <p:cNvCxnSpPr>
+            <a:stCxn id="7" idx="3"/>
+            <a:endCxn id="8" idx="1"/>
+          </p:cNvCxnSpPr>
+          <p:nvPr/>
+        </p:nvCxnSpPr>
+        <p:spPr>
+          <a:xfrm flipV="1">
+            <a:off x="5523841" y="1827048"/>
+            <a:ext cx="632335" cy="496364"/>
+          </a:xfrm>
+          <a:prstGeom prst="straightConnector1">
+            <a:avLst/>
+          </a:prstGeom>
+          <a:ln>
+            <a:solidFill>
+              <a:srgbClr val="FF0000"/>
+            </a:solidFill>
+            <a:tailEnd type="arrow"/>
+          </a:ln>
+        </p:spPr>
+        <p:style>
+          <a:lnRef idx="1">
+            <a:schemeClr val="accent1"/>
+          </a:lnRef>
+          <a:fillRef idx="0">
+            <a:schemeClr val="accent1"/>
+          </a:fillRef>
+          <a:effectRef idx="0">
+            <a:schemeClr val="accent1"/>
+          </a:effectRef>
+          <a:fontRef idx="minor">
+            <a:schemeClr val="tx1"/>
+          </a:fontRef>
+        </p:style>
+      </p:cxnSp>
+      <p:sp>
+        <p:nvSpPr>
+          <p:cNvPr id="11" name="액자 10"/>
+          <p:cNvSpPr/>
+          <p:nvPr/>
+        </p:nvSpPr>
+        <p:spPr>
+          <a:xfrm>
+            <a:off x="964356" y="3717032"/>
+            <a:ext cx="4559485" cy="2088233"/>
+          </a:xfrm>
+          <a:prstGeom prst="frame">
+            <a:avLst>
+              <a:gd name="adj1" fmla="val 0"/>
+            </a:avLst>
+          </a:prstGeom>
+          <a:ln>
+            <a:solidFill>
+              <a:srgbClr val="FF0000"/>
+            </a:solidFill>
+          </a:ln>
+        </p:spPr>
+        <p:style>
+          <a:lnRef idx="2">
+            <a:schemeClr val="accent1">
+              <a:shade val="50000"/>
+            </a:schemeClr>
+          </a:lnRef>
+          <a:fillRef idx="1">
+            <a:schemeClr val="accent1"/>
+          </a:fillRef>
+          <a:effectRef idx="0">
+            <a:schemeClr val="accent1"/>
+          </a:effectRef>
+          <a:fontRef idx="minor">
+            <a:schemeClr val="lt1"/>
+          </a:fontRef>
+        </p:style>
+        <p:txBody>
+          <a:bodyPr rtlCol="0" anchor="ctr"/>
+          <a:lstStyle/>
+          <a:p>
+            <a:pPr algn="ctr"/>
+            <a:endParaRPr lang="ko-KR" altLang="en-US">
+              <a:solidFill>
+                <a:schemeClr val="tx1"/>
+              </a:solidFill>
+            </a:endParaRPr>
+          </a:p>
+        </p:txBody>
+      </p:sp>
+      <p:sp>
+        <p:nvSpPr>
+          <p:cNvPr id="12" name="TextBox 11"/>
+          <p:cNvSpPr txBox="1"/>
+          <p:nvPr/>
+        </p:nvSpPr>
+        <p:spPr>
+          <a:xfrm>
+            <a:off x="6528874" y="5343600"/>
+            <a:ext cx="1853392" cy="923330"/>
+          </a:xfrm>
+          <a:prstGeom prst="rect">
+            <a:avLst/>
+          </a:prstGeom>
+          <a:noFill/>
+        </p:spPr>
+        <p:txBody>
+          <a:bodyPr wrap="none" rtlCol="0">
+            <a:spAutoFit/>
+          </a:bodyPr>
+          <a:lstStyle/>
+          <a:p>
+            <a:r>
+              <a:rPr lang="ko-KR" altLang="en-US" dirty="0" smtClean="0"/>
+              <a:t>답변이 완료된</a:t>
+            </a:r>
+            <a:endParaRPr lang="en-US" altLang="ko-KR" dirty="0" smtClean="0"/>
+          </a:p>
+          <a:p>
+            <a:r>
+              <a:rPr lang="ko-KR" altLang="en-US" dirty="0" err="1" smtClean="0"/>
+              <a:t>문의글들도</a:t>
+            </a:r>
+            <a:r>
+              <a:rPr lang="ko-KR" altLang="en-US" dirty="0" smtClean="0"/>
+              <a:t> 함께</a:t>
+            </a:r>
+            <a:endParaRPr lang="en-US" altLang="ko-KR" dirty="0" smtClean="0"/>
+          </a:p>
+          <a:p>
+            <a:r>
+              <a:rPr lang="ko-KR" altLang="en-US" dirty="0" smtClean="0"/>
+              <a:t>보여줍니</a:t>
+            </a:r>
+            <a:r>
+              <a:rPr lang="ko-KR" altLang="en-US" dirty="0"/>
+              <a:t>다</a:t>
+            </a:r>
+          </a:p>
+        </p:txBody>
+      </p:sp>
+      <p:cxnSp>
+        <p:nvCxnSpPr>
+          <p:cNvPr id="14" name="직선 화살표 연결선 13"/>
+          <p:cNvCxnSpPr>
+            <a:endCxn id="12" idx="1"/>
+          </p:cNvCxnSpPr>
+          <p:nvPr/>
+        </p:nvCxnSpPr>
+        <p:spPr>
+          <a:xfrm>
+            <a:off x="5523841" y="5805265"/>
+            <a:ext cx="1005033" cy="0"/>
+          </a:xfrm>
+          <a:prstGeom prst="straightConnector1">
+            <a:avLst/>
+          </a:prstGeom>
+          <a:ln>
+            <a:solidFill>
+              <a:srgbClr val="FF0000"/>
+            </a:solidFill>
+            <a:tailEnd type="arrow"/>
+          </a:ln>
+        </p:spPr>
+        <p:style>
+          <a:lnRef idx="1">
+            <a:schemeClr val="accent1"/>
+          </a:lnRef>
+          <a:fillRef idx="0">
+            <a:schemeClr val="accent1"/>
+          </a:fillRef>
+          <a:effectRef idx="0">
+            <a:schemeClr val="accent1"/>
+          </a:effectRef>
+          <a:fontRef idx="minor">
+            <a:schemeClr val="tx1"/>
+          </a:fontRef>
+        </p:style>
+      </p:cxnSp>
+      <p:cxnSp>
+        <p:nvCxnSpPr>
+          <p:cNvPr id="16" name="구부러진 연결선 15"/>
+          <p:cNvCxnSpPr/>
+          <p:nvPr/>
+        </p:nvCxnSpPr>
+        <p:spPr>
+          <a:xfrm flipV="1">
+            <a:off x="6026357" y="3717032"/>
+            <a:ext cx="921907" cy="432048"/>
+          </a:xfrm>
+          <a:prstGeom prst="curvedConnector3">
+            <a:avLst/>
+          </a:prstGeom>
+          <a:ln>
+            <a:solidFill>
+              <a:srgbClr val="FF0000"/>
+            </a:solidFill>
+            <a:tailEnd type="arrow"/>
+          </a:ln>
+        </p:spPr>
+        <p:style>
+          <a:lnRef idx="1">
+            <a:schemeClr val="accent1"/>
+          </a:lnRef>
+          <a:fillRef idx="0">
+            <a:schemeClr val="accent1"/>
+          </a:fillRef>
+          <a:effectRef idx="0">
+            <a:schemeClr val="accent1"/>
+          </a:effectRef>
+          <a:fontRef idx="minor">
+            <a:schemeClr val="tx1"/>
+          </a:fontRef>
+        </p:style>
+      </p:cxnSp>
+      <p:sp>
+        <p:nvSpPr>
+          <p:cNvPr id="17" name="TextBox 16"/>
+          <p:cNvSpPr txBox="1"/>
+          <p:nvPr/>
+        </p:nvSpPr>
+        <p:spPr>
+          <a:xfrm>
+            <a:off x="6948264" y="3429000"/>
+            <a:ext cx="1099083" cy="646331"/>
+          </a:xfrm>
+          <a:prstGeom prst="rect">
+            <a:avLst/>
+          </a:prstGeom>
+          <a:noFill/>
+        </p:spPr>
+        <p:txBody>
+          <a:bodyPr wrap="none" rtlCol="0">
+            <a:spAutoFit/>
+          </a:bodyPr>
+          <a:lstStyle/>
+          <a:p>
+            <a:r>
+              <a:rPr lang="en-US" altLang="ko-KR" dirty="0" smtClean="0"/>
+              <a:t>Bootstrap</a:t>
+            </a:r>
+          </a:p>
+          <a:p>
+            <a:r>
+              <a:rPr lang="en-US" altLang="ko-KR" dirty="0" err="1" smtClean="0"/>
+              <a:t>scrollspy</a:t>
+            </a:r>
+            <a:endParaRPr lang="ko-KR" altLang="en-US" dirty="0"/>
+          </a:p>
+        </p:txBody>
+      </p:sp>
+    </p:spTree>
+    <p:extLst>
+      <p:ext uri="{BB962C8B-B14F-4D97-AF65-F5344CB8AC3E}">
+        <p14:creationId xmlns:p14="http://schemas.microsoft.com/office/powerpoint/2010/main" val="1420203105"/>
+      </p:ext>
+    </p:extLst>
+  </p:cSld>
+  <p:clrMapOvr>
+    <a:masterClrMapping/>
+  </p:clrMapOvr>
+  <p:timing>
+    <p:tnLst>
+      <p:par>
+        <p:cTn id="1" dur="indefinite" restart="never" nodeType="tmRoot"/>
+      </p:par>
+    </p:tnLst>
+  </p:timing>
+</p:sld>
+</file>
+
+<file path=ppt/slides/slide14.xml><?xml version="1.0" encoding="utf-8"?>
+<p:sld xmlns:a="http://schemas.openxmlformats.org/drawingml/2006/main" xmlns:r="http://schemas.openxmlformats.org/officeDocument/2006/relationships" xmlns:p="http://schemas.openxmlformats.org/presentationml/2006/main">
+  <p:cSld>
+    <p:spTree>
+      <p:nvGrpSpPr>
+        <p:cNvPr id="1" name=""/>
+        <p:cNvGrpSpPr/>
+        <p:nvPr/>
+      </p:nvGrpSpPr>
+      <p:grpSpPr>
+        <a:xfrm>
+          <a:off x="0" y="0"/>
+          <a:ext cx="0" cy="0"/>
+          <a:chOff x="0" y="0"/>
+          <a:chExt cx="0" cy="0"/>
+        </a:xfrm>
+      </p:grpSpPr>
+      <p:sp>
+        <p:nvSpPr>
+          <p:cNvPr id="4" name="TextBox 3"/>
+          <p:cNvSpPr txBox="1"/>
+          <p:nvPr/>
+        </p:nvSpPr>
+        <p:spPr>
+          <a:xfrm>
+            <a:off x="179017" y="225874"/>
+            <a:ext cx="1539204" cy="400110"/>
+          </a:xfrm>
+          <a:prstGeom prst="rect">
+            <a:avLst/>
+          </a:prstGeom>
+          <a:noFill/>
+        </p:spPr>
+        <p:txBody>
+          <a:bodyPr wrap="none" rtlCol="0">
+            <a:spAutoFit/>
+          </a:bodyPr>
+          <a:lstStyle/>
+          <a:p>
+            <a:r>
+              <a:rPr lang="ko-KR" altLang="en-US" sz="2000" u="sng" dirty="0" smtClean="0"/>
+              <a:t>시설 </a:t>
+            </a:r>
+            <a:r>
+              <a:rPr lang="en-US" altLang="ko-KR" sz="2000" u="sng" dirty="0" smtClean="0"/>
+              <a:t>Q&amp;A(3)</a:t>
+            </a:r>
+            <a:endParaRPr lang="ko-KR" altLang="en-US" sz="2000" u="sng" dirty="0"/>
+          </a:p>
+        </p:txBody>
+      </p:sp>
+      <p:pic>
+        <p:nvPicPr>
+          <p:cNvPr id="6" name="그림 5"/>
+          <p:cNvPicPr>
+            <a:picLocks noChangeAspect="1"/>
+          </p:cNvPicPr>
+          <p:nvPr/>
+        </p:nvPicPr>
+        <p:blipFill>
+          <a:blip r:embed="rId2">
+            <a:extLst>
+              <a:ext uri="{28A0092B-C50C-407E-A947-70E740481C1C}">
+                <a14:useLocalDpi xmlns:a14="http://schemas.microsoft.com/office/drawing/2010/main" val="0"/>
+              </a:ext>
+            </a:extLst>
+          </a:blip>
+          <a:stretch>
+            <a:fillRect/>
+          </a:stretch>
+        </p:blipFill>
+        <p:spPr>
+          <a:xfrm>
+            <a:off x="132161" y="908720"/>
+            <a:ext cx="5375943" cy="4031957"/>
+          </a:xfrm>
+          <a:prstGeom prst="rect">
+            <a:avLst/>
+          </a:prstGeom>
+        </p:spPr>
+      </p:pic>
+      <p:pic>
+        <p:nvPicPr>
+          <p:cNvPr id="7" name="그림 6"/>
+          <p:cNvPicPr>
+            <a:picLocks noChangeAspect="1"/>
+          </p:cNvPicPr>
+          <p:nvPr/>
+        </p:nvPicPr>
+        <p:blipFill>
+          <a:blip r:embed="rId3" cstate="print">
+            <a:extLst>
+              <a:ext uri="{28A0092B-C50C-407E-A947-70E740481C1C}">
+                <a14:useLocalDpi xmlns:a14="http://schemas.microsoft.com/office/drawing/2010/main" val="0"/>
+              </a:ext>
+            </a:extLst>
+          </a:blip>
+          <a:stretch>
+            <a:fillRect/>
+          </a:stretch>
+        </p:blipFill>
+        <p:spPr>
+          <a:xfrm>
+            <a:off x="5292080" y="4365103"/>
+            <a:ext cx="2947065" cy="2210299"/>
+          </a:xfrm>
+          <a:prstGeom prst="rect">
+            <a:avLst/>
+          </a:prstGeom>
+        </p:spPr>
+      </p:pic>
+      <p:sp>
+        <p:nvSpPr>
+          <p:cNvPr id="8" name="TextBox 7"/>
+          <p:cNvSpPr txBox="1"/>
+          <p:nvPr/>
+        </p:nvSpPr>
+        <p:spPr>
+          <a:xfrm>
+            <a:off x="6024466" y="893970"/>
+            <a:ext cx="2084225" cy="1200329"/>
+          </a:xfrm>
+          <a:prstGeom prst="rect">
+            <a:avLst/>
+          </a:prstGeom>
+          <a:noFill/>
+        </p:spPr>
+        <p:txBody>
+          <a:bodyPr wrap="none" rtlCol="0">
+            <a:spAutoFit/>
+          </a:bodyPr>
+          <a:lstStyle/>
+          <a:p>
+            <a:r>
+              <a:rPr lang="ko-KR" altLang="en-US" dirty="0" smtClean="0"/>
+              <a:t>시설의 세부</a:t>
+            </a:r>
+            <a:r>
+              <a:rPr lang="en-US" altLang="ko-KR" dirty="0"/>
+              <a:t> </a:t>
+            </a:r>
+            <a:r>
+              <a:rPr lang="en-US" altLang="ko-KR" dirty="0" smtClean="0"/>
+              <a:t>View</a:t>
+            </a:r>
+          </a:p>
+          <a:p>
+            <a:r>
+              <a:rPr lang="ko-KR" altLang="en-US" dirty="0" smtClean="0"/>
+              <a:t>페이지에 하단에서</a:t>
+            </a:r>
+            <a:endParaRPr lang="en-US" altLang="ko-KR" dirty="0" smtClean="0"/>
+          </a:p>
+          <a:p>
+            <a:r>
+              <a:rPr lang="ko-KR" altLang="en-US" dirty="0" smtClean="0"/>
+              <a:t>답변이 완료된</a:t>
+            </a:r>
+            <a:endParaRPr lang="en-US" altLang="ko-KR" dirty="0" smtClean="0"/>
+          </a:p>
+          <a:p>
+            <a:r>
+              <a:rPr lang="en-US" altLang="ko-KR" dirty="0" smtClean="0"/>
+              <a:t>Q&amp;A </a:t>
+            </a:r>
+            <a:r>
+              <a:rPr lang="ko-KR" altLang="en-US" dirty="0" smtClean="0"/>
+              <a:t>리스트와</a:t>
+            </a:r>
+            <a:endParaRPr lang="ko-KR" altLang="en-US" dirty="0"/>
+          </a:p>
+        </p:txBody>
+      </p:sp>
+      <p:sp>
+        <p:nvSpPr>
+          <p:cNvPr id="9" name="액자 8"/>
+          <p:cNvSpPr/>
+          <p:nvPr/>
+        </p:nvSpPr>
+        <p:spPr>
+          <a:xfrm>
+            <a:off x="132161" y="893971"/>
+            <a:ext cx="5159919" cy="4263221"/>
+          </a:xfrm>
+          <a:prstGeom prst="frame">
+            <a:avLst>
+              <a:gd name="adj1" fmla="val 0"/>
+            </a:avLst>
+          </a:prstGeom>
+          <a:ln>
+            <a:solidFill>
+              <a:srgbClr val="FF0000"/>
+            </a:solidFill>
+          </a:ln>
+        </p:spPr>
+        <p:style>
+          <a:lnRef idx="2">
+            <a:schemeClr val="accent1">
+              <a:shade val="50000"/>
+            </a:schemeClr>
+          </a:lnRef>
+          <a:fillRef idx="1">
+            <a:schemeClr val="accent1"/>
+          </a:fillRef>
+          <a:effectRef idx="0">
+            <a:schemeClr val="accent1"/>
+          </a:effectRef>
+          <a:fontRef idx="minor">
+            <a:schemeClr val="lt1"/>
+          </a:fontRef>
+        </p:style>
+        <p:txBody>
+          <a:bodyPr rtlCol="0" anchor="ctr"/>
+          <a:lstStyle/>
+          <a:p>
+            <a:pPr algn="ctr"/>
+            <a:endParaRPr lang="ko-KR" altLang="en-US">
+              <a:solidFill>
+                <a:schemeClr val="tx1"/>
+              </a:solidFill>
+            </a:endParaRPr>
+          </a:p>
+        </p:txBody>
+      </p:sp>
+      <p:cxnSp>
+        <p:nvCxnSpPr>
+          <p:cNvPr id="11" name="직선 화살표 연결선 10"/>
+          <p:cNvCxnSpPr>
+            <a:endCxn id="8" idx="1"/>
+          </p:cNvCxnSpPr>
+          <p:nvPr/>
+        </p:nvCxnSpPr>
+        <p:spPr>
+          <a:xfrm flipV="1">
+            <a:off x="5293105" y="1494135"/>
+            <a:ext cx="731361" cy="46168"/>
+          </a:xfrm>
+          <a:prstGeom prst="straightConnector1">
+            <a:avLst/>
+          </a:prstGeom>
+          <a:ln>
+            <a:solidFill>
+              <a:srgbClr val="FF0000"/>
+            </a:solidFill>
+            <a:tailEnd type="arrow"/>
+          </a:ln>
+        </p:spPr>
+        <p:style>
+          <a:lnRef idx="1">
+            <a:schemeClr val="accent1"/>
+          </a:lnRef>
+          <a:fillRef idx="0">
+            <a:schemeClr val="accent1"/>
+          </a:fillRef>
+          <a:effectRef idx="0">
+            <a:schemeClr val="accent1"/>
+          </a:effectRef>
+          <a:fontRef idx="minor">
+            <a:schemeClr val="tx1"/>
+          </a:fontRef>
+        </p:style>
+      </p:cxnSp>
+      <p:sp>
+        <p:nvSpPr>
+          <p:cNvPr id="12" name="TextBox 11"/>
+          <p:cNvSpPr txBox="1"/>
+          <p:nvPr/>
+        </p:nvSpPr>
+        <p:spPr>
+          <a:xfrm>
+            <a:off x="5740735" y="2563916"/>
+            <a:ext cx="2651688" cy="923330"/>
+          </a:xfrm>
+          <a:prstGeom prst="rect">
+            <a:avLst/>
+          </a:prstGeom>
+          <a:noFill/>
+        </p:spPr>
+        <p:txBody>
+          <a:bodyPr wrap="none" rtlCol="0">
+            <a:spAutoFit/>
+          </a:bodyPr>
+          <a:lstStyle/>
+          <a:p>
+            <a:r>
+              <a:rPr lang="ko-KR" altLang="en-US" dirty="0" smtClean="0"/>
+              <a:t>답변을 기다리는</a:t>
+            </a:r>
+            <a:endParaRPr lang="en-US" altLang="ko-KR" dirty="0" smtClean="0"/>
+          </a:p>
+          <a:p>
+            <a:r>
+              <a:rPr lang="ko-KR" altLang="en-US" dirty="0" err="1" smtClean="0"/>
+              <a:t>문의글</a:t>
+            </a:r>
+            <a:r>
+              <a:rPr lang="ko-KR" altLang="en-US" dirty="0" smtClean="0"/>
+              <a:t> 리스트를</a:t>
+            </a:r>
+            <a:endParaRPr lang="en-US" altLang="ko-KR" dirty="0" smtClean="0"/>
+          </a:p>
+          <a:p>
+            <a:r>
+              <a:rPr lang="ko-KR" altLang="en-US" dirty="0" smtClean="0"/>
+              <a:t>구분하여 볼 수 있습니다</a:t>
+            </a:r>
+            <a:endParaRPr lang="en-US" altLang="ko-KR" dirty="0" smtClean="0"/>
+          </a:p>
+        </p:txBody>
+      </p:sp>
+      <p:sp>
+        <p:nvSpPr>
+          <p:cNvPr id="13" name="액자 12"/>
+          <p:cNvSpPr/>
+          <p:nvPr/>
+        </p:nvSpPr>
+        <p:spPr>
+          <a:xfrm>
+            <a:off x="5354826" y="4349935"/>
+            <a:ext cx="2884319" cy="2391433"/>
+          </a:xfrm>
+          <a:prstGeom prst="frame">
+            <a:avLst>
+              <a:gd name="adj1" fmla="val 0"/>
+            </a:avLst>
+          </a:prstGeom>
+          <a:ln>
+            <a:solidFill>
+              <a:srgbClr val="FF0000"/>
+            </a:solidFill>
+          </a:ln>
+        </p:spPr>
+        <p:style>
+          <a:lnRef idx="2">
+            <a:schemeClr val="accent1">
+              <a:shade val="50000"/>
+            </a:schemeClr>
+          </a:lnRef>
+          <a:fillRef idx="1">
+            <a:schemeClr val="accent1"/>
+          </a:fillRef>
+          <a:effectRef idx="0">
+            <a:schemeClr val="accent1"/>
+          </a:effectRef>
+          <a:fontRef idx="minor">
+            <a:schemeClr val="lt1"/>
+          </a:fontRef>
+        </p:style>
+        <p:txBody>
+          <a:bodyPr rtlCol="0" anchor="ctr"/>
+          <a:lstStyle/>
+          <a:p>
+            <a:pPr algn="ctr"/>
+            <a:endParaRPr lang="ko-KR" altLang="en-US">
+              <a:solidFill>
+                <a:schemeClr val="tx1"/>
+              </a:solidFill>
+            </a:endParaRPr>
+          </a:p>
+        </p:txBody>
+      </p:sp>
+      <p:cxnSp>
+        <p:nvCxnSpPr>
+          <p:cNvPr id="15" name="직선 화살표 연결선 14"/>
+          <p:cNvCxnSpPr>
+            <a:stCxn id="7" idx="0"/>
+            <a:endCxn id="12" idx="2"/>
+          </p:cNvCxnSpPr>
+          <p:nvPr/>
+        </p:nvCxnSpPr>
+        <p:spPr>
+          <a:xfrm flipV="1">
+            <a:off x="6765613" y="3487246"/>
+            <a:ext cx="300966" cy="877857"/>
+          </a:xfrm>
+          <a:prstGeom prst="straightConnector1">
+            <a:avLst/>
+          </a:prstGeom>
+          <a:ln>
+            <a:solidFill>
+              <a:srgbClr val="FF0000"/>
+            </a:solidFill>
+            <a:tailEnd type="arrow"/>
+          </a:ln>
+        </p:spPr>
+        <p:style>
+          <a:lnRef idx="1">
+            <a:schemeClr val="accent1"/>
+          </a:lnRef>
+          <a:fillRef idx="0">
+            <a:schemeClr val="accent1"/>
+          </a:fillRef>
+          <a:effectRef idx="0">
+            <a:schemeClr val="accent1"/>
+          </a:effectRef>
+          <a:fontRef idx="minor">
+            <a:schemeClr val="tx1"/>
+          </a:fontRef>
+        </p:style>
+      </p:cxnSp>
+    </p:spTree>
+    <p:extLst>
+      <p:ext uri="{BB962C8B-B14F-4D97-AF65-F5344CB8AC3E}">
+        <p14:creationId xmlns:p14="http://schemas.microsoft.com/office/powerpoint/2010/main" val="4210210919"/>
+      </p:ext>
+    </p:extLst>
+  </p:cSld>
+  <p:clrMapOvr>
+    <a:masterClrMapping/>
+  </p:clrMapOvr>
+  <p:timing>
+    <p:tnLst>
+      <p:par>
+        <p:cTn id="1" dur="indefinite" restart="never" nodeType="tmRoot"/>
+      </p:par>
+    </p:tnLst>
+  </p:timing>
+</p:sld>
+</file>
+
+<file path=ppt/slides/slide15.xml><?xml version="1.0" encoding="utf-8"?>
+<p:sld xmlns:a="http://schemas.openxmlformats.org/drawingml/2006/main" xmlns:r="http://schemas.openxmlformats.org/officeDocument/2006/relationships" xmlns:p="http://schemas.openxmlformats.org/presentationml/2006/main">
+  <p:cSld>
+    <p:spTree>
+      <p:nvGrpSpPr>
+        <p:cNvPr id="1" name=""/>
+        <p:cNvGrpSpPr/>
+        <p:nvPr/>
+      </p:nvGrpSpPr>
+      <p:grpSpPr>
+        <a:xfrm>
+          <a:off x="0" y="0"/>
+          <a:ext cx="0" cy="0"/>
+          <a:chOff x="0" y="0"/>
+          <a:chExt cx="0" cy="0"/>
+        </a:xfrm>
+      </p:grpSpPr>
+      <p:sp>
+        <p:nvSpPr>
+          <p:cNvPr id="4" name="TextBox 3"/>
+          <p:cNvSpPr txBox="1"/>
+          <p:nvPr/>
+        </p:nvSpPr>
+        <p:spPr>
+          <a:xfrm>
+            <a:off x="179017" y="225874"/>
+            <a:ext cx="1539204" cy="400110"/>
+          </a:xfrm>
+          <a:prstGeom prst="rect">
+            <a:avLst/>
+          </a:prstGeom>
+          <a:noFill/>
+        </p:spPr>
+        <p:txBody>
+          <a:bodyPr wrap="none" rtlCol="0">
+            <a:spAutoFit/>
+          </a:bodyPr>
+          <a:lstStyle/>
+          <a:p>
+            <a:r>
+              <a:rPr lang="ko-KR" altLang="en-US" sz="2000" u="sng" dirty="0" smtClean="0"/>
+              <a:t>시설 </a:t>
+            </a:r>
+            <a:r>
+              <a:rPr lang="en-US" altLang="ko-KR" sz="2000" u="sng" dirty="0" smtClean="0"/>
+              <a:t>Q&amp;A(4)</a:t>
+            </a:r>
+            <a:endParaRPr lang="ko-KR" altLang="en-US" sz="2000" u="sng" dirty="0"/>
+          </a:p>
+        </p:txBody>
+      </p:sp>
+      <p:pic>
+        <p:nvPicPr>
+          <p:cNvPr id="5" name="그림 4"/>
+          <p:cNvPicPr>
+            <a:picLocks noChangeAspect="1"/>
+          </p:cNvPicPr>
+          <p:nvPr/>
+        </p:nvPicPr>
+        <p:blipFill>
+          <a:blip r:embed="rId2">
+            <a:extLst>
+              <a:ext uri="{28A0092B-C50C-407E-A947-70E740481C1C}">
+                <a14:useLocalDpi xmlns:a14="http://schemas.microsoft.com/office/drawing/2010/main" val="0"/>
+              </a:ext>
+            </a:extLst>
+          </a:blip>
+          <a:stretch>
+            <a:fillRect/>
+          </a:stretch>
+        </p:blipFill>
+        <p:spPr>
+          <a:xfrm>
+            <a:off x="137525" y="1124744"/>
+            <a:ext cx="6435673" cy="4826755"/>
+          </a:xfrm>
+          <a:prstGeom prst="rect">
+            <a:avLst/>
+          </a:prstGeom>
+        </p:spPr>
+      </p:pic>
+      <p:sp>
+        <p:nvSpPr>
+          <p:cNvPr id="7" name="TextBox 6"/>
+          <p:cNvSpPr txBox="1"/>
+          <p:nvPr/>
+        </p:nvSpPr>
+        <p:spPr>
+          <a:xfrm>
+            <a:off x="6228184" y="2799457"/>
+            <a:ext cx="2315057" cy="1754326"/>
+          </a:xfrm>
+          <a:prstGeom prst="rect">
+            <a:avLst/>
+          </a:prstGeom>
+          <a:noFill/>
+        </p:spPr>
+        <p:txBody>
+          <a:bodyPr wrap="none" rtlCol="0">
+            <a:spAutoFit/>
+          </a:bodyPr>
+          <a:lstStyle/>
+          <a:p>
+            <a:r>
+              <a:rPr lang="ko-KR" altLang="en-US" dirty="0" smtClean="0"/>
+              <a:t>클릭 시</a:t>
+            </a:r>
+            <a:r>
+              <a:rPr lang="en-US" altLang="ko-KR" dirty="0"/>
+              <a:t> </a:t>
+            </a:r>
+            <a:r>
+              <a:rPr lang="ko-KR" altLang="en-US" dirty="0" smtClean="0"/>
+              <a:t>다섯 건의</a:t>
+            </a:r>
+            <a:endParaRPr lang="en-US" altLang="ko-KR" dirty="0" smtClean="0"/>
+          </a:p>
+          <a:p>
+            <a:r>
+              <a:rPr lang="ko-KR" altLang="en-US" dirty="0" smtClean="0"/>
+              <a:t>리스트를 추가로</a:t>
+            </a:r>
+            <a:endParaRPr lang="en-US" altLang="ko-KR" dirty="0" smtClean="0"/>
+          </a:p>
+          <a:p>
+            <a:r>
+              <a:rPr lang="ko-KR" altLang="en-US" dirty="0" smtClean="0"/>
+              <a:t>계속해서</a:t>
+            </a:r>
+            <a:r>
+              <a:rPr lang="en-US" altLang="ko-KR" dirty="0"/>
+              <a:t> </a:t>
+            </a:r>
+            <a:r>
+              <a:rPr lang="ko-KR" altLang="en-US" dirty="0" smtClean="0"/>
+              <a:t>보여줍니다</a:t>
+            </a:r>
+            <a:endParaRPr lang="en-US" altLang="ko-KR" dirty="0" smtClean="0"/>
+          </a:p>
+          <a:p>
+            <a:r>
+              <a:rPr lang="en-US" altLang="ko-KR" dirty="0" smtClean="0"/>
+              <a:t>Script</a:t>
+            </a:r>
+            <a:r>
+              <a:rPr lang="ko-KR" altLang="en-US" dirty="0" smtClean="0"/>
+              <a:t>에서 </a:t>
+            </a:r>
+            <a:r>
+              <a:rPr lang="en-US" altLang="ko-KR" dirty="0" err="1" smtClean="0"/>
+              <a:t>css</a:t>
+            </a:r>
+            <a:r>
+              <a:rPr lang="ko-KR" altLang="en-US" dirty="0" smtClean="0"/>
+              <a:t>옵션을</a:t>
+            </a:r>
+            <a:endParaRPr lang="en-US" altLang="ko-KR" dirty="0" smtClean="0"/>
+          </a:p>
+          <a:p>
+            <a:r>
+              <a:rPr lang="ko-KR" altLang="en-US" dirty="0" smtClean="0"/>
+              <a:t>주어 구현했습니다</a:t>
+            </a:r>
+            <a:endParaRPr lang="en-US" altLang="ko-KR" dirty="0" smtClean="0"/>
+          </a:p>
+          <a:p>
+            <a:endParaRPr lang="en-US" altLang="ko-KR" dirty="0"/>
+          </a:p>
+        </p:txBody>
+      </p:sp>
+      <p:cxnSp>
+        <p:nvCxnSpPr>
+          <p:cNvPr id="10" name="구부러진 연결선 9"/>
+          <p:cNvCxnSpPr>
+            <a:endCxn id="7" idx="2"/>
+          </p:cNvCxnSpPr>
+          <p:nvPr/>
+        </p:nvCxnSpPr>
+        <p:spPr>
+          <a:xfrm flipV="1">
+            <a:off x="5953944" y="4553783"/>
+            <a:ext cx="1431769" cy="819438"/>
+          </a:xfrm>
+          <a:prstGeom prst="curvedConnector2">
+            <a:avLst/>
+          </a:prstGeom>
+          <a:ln>
+            <a:solidFill>
+              <a:srgbClr val="FF0000"/>
+            </a:solidFill>
+            <a:tailEnd type="arrow"/>
+          </a:ln>
+        </p:spPr>
+        <p:style>
+          <a:lnRef idx="1">
+            <a:schemeClr val="accent1"/>
+          </a:lnRef>
+          <a:fillRef idx="0">
+            <a:schemeClr val="accent1"/>
+          </a:fillRef>
+          <a:effectRef idx="0">
+            <a:schemeClr val="accent1"/>
+          </a:effectRef>
+          <a:fontRef idx="minor">
+            <a:schemeClr val="tx1"/>
+          </a:fontRef>
+        </p:style>
+      </p:cxnSp>
+    </p:spTree>
+    <p:extLst>
+      <p:ext uri="{BB962C8B-B14F-4D97-AF65-F5344CB8AC3E}">
+        <p14:creationId xmlns:p14="http://schemas.microsoft.com/office/powerpoint/2010/main" val="3875461414"/>
+      </p:ext>
+    </p:extLst>
+  </p:cSld>
+  <p:clrMapOvr>
+    <a:masterClrMapping/>
+  </p:clrMapOvr>
+  <p:timing>
+    <p:tnLst>
+      <p:par>
+        <p:cTn id="1" dur="indefinite" restart="never" nodeType="tmRoot"/>
+      </p:par>
+    </p:tnLst>
+  </p:timing>
+</p:sld>
+</file>
+
+<file path=ppt/slides/slide16.xml><?xml version="1.0" encoding="utf-8"?>
+<p:sld xmlns:a="http://schemas.openxmlformats.org/drawingml/2006/main" xmlns:r="http://schemas.openxmlformats.org/officeDocument/2006/relationships" xmlns:p="http://schemas.openxmlformats.org/presentationml/2006/main">
+  <p:cSld>
+    <p:spTree>
+      <p:nvGrpSpPr>
+        <p:cNvPr id="1" name=""/>
+        <p:cNvGrpSpPr/>
+        <p:nvPr/>
+      </p:nvGrpSpPr>
+      <p:grpSpPr>
+        <a:xfrm>
+          <a:off x="0" y="0"/>
+          <a:ext cx="0" cy="0"/>
+          <a:chOff x="0" y="0"/>
+          <a:chExt cx="0" cy="0"/>
+        </a:xfrm>
+      </p:grpSpPr>
+      <p:sp>
+        <p:nvSpPr>
+          <p:cNvPr id="4" name="TextBox 3"/>
+          <p:cNvSpPr txBox="1"/>
+          <p:nvPr/>
+        </p:nvSpPr>
+        <p:spPr>
+          <a:xfrm>
+            <a:off x="179017" y="225874"/>
+            <a:ext cx="697627" cy="400110"/>
+          </a:xfrm>
+          <a:prstGeom prst="rect">
+            <a:avLst/>
+          </a:prstGeom>
+          <a:noFill/>
+        </p:spPr>
+        <p:txBody>
+          <a:bodyPr wrap="none" rtlCol="0">
+            <a:spAutoFit/>
+          </a:bodyPr>
+          <a:lstStyle/>
+          <a:p>
+            <a:r>
+              <a:rPr lang="ko-KR" altLang="en-US" sz="2000" u="sng" dirty="0" err="1" smtClean="0"/>
+              <a:t>그</a:t>
+            </a:r>
+            <a:r>
+              <a:rPr lang="ko-KR" altLang="en-US" sz="2000" u="sng" dirty="0" err="1"/>
+              <a:t>외</a:t>
+            </a:r>
+            <a:endParaRPr lang="ko-KR" altLang="en-US" sz="2000" u="sng" dirty="0"/>
+          </a:p>
+        </p:txBody>
+      </p:sp>
+      <p:pic>
+        <p:nvPicPr>
+          <p:cNvPr id="5" name="그림 4"/>
+          <p:cNvPicPr>
+            <a:picLocks noChangeAspect="1"/>
+          </p:cNvPicPr>
+          <p:nvPr/>
+        </p:nvPicPr>
+        <p:blipFill>
+          <a:blip r:embed="rId2">
+            <a:extLst>
+              <a:ext uri="{28A0092B-C50C-407E-A947-70E740481C1C}">
+                <a14:useLocalDpi xmlns:a14="http://schemas.microsoft.com/office/drawing/2010/main" val="0"/>
+              </a:ext>
+            </a:extLst>
+          </a:blip>
+          <a:stretch>
+            <a:fillRect/>
+          </a:stretch>
+        </p:blipFill>
+        <p:spPr>
+          <a:xfrm>
+            <a:off x="168042" y="1628800"/>
+            <a:ext cx="5088565" cy="3816424"/>
+          </a:xfrm>
+          <a:prstGeom prst="rect">
+            <a:avLst/>
+          </a:prstGeom>
+        </p:spPr>
+      </p:pic>
+      <p:sp>
+        <p:nvSpPr>
+          <p:cNvPr id="6" name="TextBox 5"/>
+          <p:cNvSpPr txBox="1"/>
+          <p:nvPr/>
+        </p:nvSpPr>
+        <p:spPr>
+          <a:xfrm>
+            <a:off x="5364088" y="2488843"/>
+            <a:ext cx="2988319" cy="1754326"/>
+          </a:xfrm>
+          <a:prstGeom prst="rect">
+            <a:avLst/>
+          </a:prstGeom>
+          <a:noFill/>
+        </p:spPr>
+        <p:txBody>
+          <a:bodyPr wrap="none" rtlCol="0">
+            <a:spAutoFit/>
+          </a:bodyPr>
+          <a:lstStyle/>
+          <a:p>
+            <a:r>
+              <a:rPr lang="en-US" altLang="ko-KR" dirty="0" smtClean="0"/>
+              <a:t>Admin </a:t>
+            </a:r>
+            <a:r>
+              <a:rPr lang="ko-KR" altLang="en-US" dirty="0" smtClean="0"/>
+              <a:t>권한의 계정으로</a:t>
+            </a:r>
+            <a:endParaRPr lang="en-US" altLang="ko-KR" dirty="0" smtClean="0"/>
+          </a:p>
+          <a:p>
+            <a:r>
+              <a:rPr lang="ko-KR" altLang="en-US" dirty="0" smtClean="0"/>
+              <a:t>로그인 시</a:t>
+            </a:r>
+            <a:endParaRPr lang="en-US" altLang="ko-KR" dirty="0" smtClean="0"/>
+          </a:p>
+          <a:p>
+            <a:r>
+              <a:rPr lang="ko-KR" altLang="en-US" dirty="0" smtClean="0"/>
+              <a:t>등록된 유저의 계정을</a:t>
+            </a:r>
+            <a:endParaRPr lang="en-US" altLang="ko-KR" dirty="0" smtClean="0"/>
+          </a:p>
+          <a:p>
+            <a:r>
+              <a:rPr lang="ko-KR" altLang="en-US" dirty="0" smtClean="0"/>
+              <a:t>활성화</a:t>
+            </a:r>
+            <a:r>
+              <a:rPr lang="en-US" altLang="ko-KR" dirty="0" smtClean="0"/>
+              <a:t>, </a:t>
+            </a:r>
+            <a:r>
+              <a:rPr lang="ko-KR" altLang="en-US" dirty="0" smtClean="0"/>
+              <a:t>비활성화</a:t>
+            </a:r>
+            <a:endParaRPr lang="en-US" altLang="ko-KR" dirty="0" smtClean="0"/>
+          </a:p>
+          <a:p>
+            <a:r>
+              <a:rPr lang="en-US" altLang="ko-KR" dirty="0" smtClean="0"/>
+              <a:t>(Spring Security Enabled)</a:t>
+            </a:r>
+          </a:p>
+          <a:p>
+            <a:r>
+              <a:rPr lang="ko-KR" altLang="en-US" dirty="0" smtClean="0"/>
+              <a:t>할 수 있는 회원 관리 페이지</a:t>
+            </a:r>
+            <a:endParaRPr lang="ko-KR" altLang="en-US" dirty="0"/>
+          </a:p>
+        </p:txBody>
+      </p:sp>
+      <p:sp>
+        <p:nvSpPr>
+          <p:cNvPr id="7" name="액자 6"/>
+          <p:cNvSpPr/>
+          <p:nvPr/>
+        </p:nvSpPr>
+        <p:spPr>
+          <a:xfrm>
+            <a:off x="1259632" y="2996952"/>
+            <a:ext cx="3096344" cy="2664296"/>
+          </a:xfrm>
+          <a:prstGeom prst="frame">
+            <a:avLst>
+              <a:gd name="adj1" fmla="val 0"/>
+            </a:avLst>
+          </a:prstGeom>
+          <a:ln>
+            <a:solidFill>
+              <a:srgbClr val="FF0000"/>
+            </a:solidFill>
+          </a:ln>
+        </p:spPr>
+        <p:style>
+          <a:lnRef idx="2">
+            <a:schemeClr val="accent1">
+              <a:shade val="50000"/>
+            </a:schemeClr>
+          </a:lnRef>
+          <a:fillRef idx="1">
+            <a:schemeClr val="accent1"/>
+          </a:fillRef>
+          <a:effectRef idx="0">
+            <a:schemeClr val="accent1"/>
+          </a:effectRef>
+          <a:fontRef idx="minor">
+            <a:schemeClr val="lt1"/>
+          </a:fontRef>
+        </p:style>
+        <p:txBody>
+          <a:bodyPr rtlCol="0" anchor="ctr"/>
+          <a:lstStyle/>
+          <a:p>
+            <a:pPr algn="ctr"/>
+            <a:endParaRPr lang="ko-KR" altLang="en-US">
+              <a:solidFill>
+                <a:schemeClr val="tx1"/>
+              </a:solidFill>
+            </a:endParaRPr>
+          </a:p>
+        </p:txBody>
+      </p:sp>
+      <p:cxnSp>
+        <p:nvCxnSpPr>
+          <p:cNvPr id="9" name="직선 연결선 8"/>
+          <p:cNvCxnSpPr>
+            <a:stCxn id="7" idx="3"/>
+            <a:endCxn id="5" idx="3"/>
+          </p:cNvCxnSpPr>
+          <p:nvPr/>
+        </p:nvCxnSpPr>
+        <p:spPr>
+          <a:xfrm flipV="1">
+            <a:off x="4355976" y="3537012"/>
+            <a:ext cx="900631" cy="792088"/>
+          </a:xfrm>
+          <a:prstGeom prst="line">
+            <a:avLst/>
+          </a:prstGeom>
+          <a:ln>
+            <a:solidFill>
+              <a:srgbClr val="FF0000"/>
+            </a:solidFill>
+          </a:ln>
+        </p:spPr>
+        <p:style>
+          <a:lnRef idx="1">
+            <a:schemeClr val="accent1"/>
+          </a:lnRef>
+          <a:fillRef idx="0">
+            <a:schemeClr val="accent1"/>
+          </a:fillRef>
+          <a:effectRef idx="0">
+            <a:schemeClr val="accent1"/>
+          </a:effectRef>
+          <a:fontRef idx="minor">
+            <a:schemeClr val="tx1"/>
+          </a:fontRef>
+        </p:style>
+      </p:cxnSp>
+    </p:spTree>
+    <p:extLst>
+      <p:ext uri="{BB962C8B-B14F-4D97-AF65-F5344CB8AC3E}">
+        <p14:creationId xmlns:p14="http://schemas.microsoft.com/office/powerpoint/2010/main" val="224232201"/>
+      </p:ext>
+    </p:extLst>
+  </p:cSld>
+  <p:clrMapOvr>
+    <a:masterClrMapping/>
+  </p:clrMapOvr>
+  <p:timing>
+    <p:tnLst>
+      <p:par>
+        <p:cTn id="1" dur="indefinite" restart="never" nodeType="tmRoot"/>
+      </p:par>
+    </p:tnLst>
+  </p:timing>
+</p:sld>
+</file>
+
+<file path=ppt/slides/slide17.xml><?xml version="1.0" encoding="utf-8"?>
+<p:sld xmlns:a="http://schemas.openxmlformats.org/drawingml/2006/main" xmlns:r="http://schemas.openxmlformats.org/officeDocument/2006/relationships" xmlns:p="http://schemas.openxmlformats.org/presentationml/2006/main">
+  <p:cSld>
+    <p:spTree>
+      <p:nvGrpSpPr>
+        <p:cNvPr id="1" name=""/>
+        <p:cNvGrpSpPr/>
+        <p:nvPr/>
+      </p:nvGrpSpPr>
+      <p:grpSpPr>
+        <a:xfrm>
+          <a:off x="0" y="0"/>
+          <a:ext cx="0" cy="0"/>
+          <a:chOff x="0" y="0"/>
+          <a:chExt cx="0" cy="0"/>
+        </a:xfrm>
+      </p:grpSpPr>
+      <p:sp>
+        <p:nvSpPr>
+          <p:cNvPr id="4" name="TextBox 3"/>
+          <p:cNvSpPr txBox="1"/>
+          <p:nvPr/>
+        </p:nvSpPr>
+        <p:spPr>
+          <a:xfrm>
+            <a:off x="179017" y="225874"/>
+            <a:ext cx="697627" cy="400110"/>
+          </a:xfrm>
+          <a:prstGeom prst="rect">
+            <a:avLst/>
+          </a:prstGeom>
+          <a:noFill/>
+        </p:spPr>
+        <p:txBody>
+          <a:bodyPr wrap="none" rtlCol="0">
+            <a:spAutoFit/>
+          </a:bodyPr>
+          <a:lstStyle/>
+          <a:p>
+            <a:r>
+              <a:rPr lang="ko-KR" altLang="en-US" sz="2000" u="sng" dirty="0" err="1" smtClean="0"/>
+              <a:t>그</a:t>
+            </a:r>
+            <a:r>
+              <a:rPr lang="ko-KR" altLang="en-US" sz="2000" u="sng" dirty="0" err="1"/>
+              <a:t>외</a:t>
+            </a:r>
+            <a:endParaRPr lang="ko-KR" altLang="en-US" sz="2000" u="sng" dirty="0"/>
+          </a:p>
+        </p:txBody>
+      </p:sp>
+      <p:pic>
+        <p:nvPicPr>
+          <p:cNvPr id="5" name="그림 4"/>
+          <p:cNvPicPr>
+            <a:picLocks noChangeAspect="1"/>
+          </p:cNvPicPr>
+          <p:nvPr/>
+        </p:nvPicPr>
+        <p:blipFill>
+          <a:blip r:embed="rId2">
+            <a:extLst>
+              <a:ext uri="{28A0092B-C50C-407E-A947-70E740481C1C}">
+                <a14:useLocalDpi xmlns:a14="http://schemas.microsoft.com/office/drawing/2010/main" val="0"/>
+              </a:ext>
+            </a:extLst>
+          </a:blip>
+          <a:stretch>
+            <a:fillRect/>
+          </a:stretch>
+        </p:blipFill>
+        <p:spPr>
+          <a:xfrm>
+            <a:off x="323528" y="908720"/>
+            <a:ext cx="6632259" cy="4093659"/>
+          </a:xfrm>
+          <a:prstGeom prst="rect">
+            <a:avLst/>
+          </a:prstGeom>
+        </p:spPr>
+      </p:pic>
+      <p:sp>
+        <p:nvSpPr>
+          <p:cNvPr id="6" name="TextBox 5"/>
+          <p:cNvSpPr txBox="1"/>
+          <p:nvPr/>
+        </p:nvSpPr>
+        <p:spPr>
+          <a:xfrm>
+            <a:off x="527830" y="5805264"/>
+            <a:ext cx="6040436" cy="646331"/>
+          </a:xfrm>
+          <a:prstGeom prst="rect">
+            <a:avLst/>
+          </a:prstGeom>
+          <a:noFill/>
+        </p:spPr>
+        <p:txBody>
+          <a:bodyPr wrap="none" rtlCol="0">
+            <a:spAutoFit/>
+          </a:bodyPr>
+          <a:lstStyle/>
+          <a:p>
+            <a:r>
+              <a:rPr lang="ko-KR" altLang="en-US" dirty="0" smtClean="0"/>
+              <a:t>새로운 시설이 등록될 시 전체 </a:t>
+            </a:r>
+            <a:r>
+              <a:rPr lang="en-US" altLang="ko-KR" dirty="0" smtClean="0"/>
+              <a:t>user</a:t>
+            </a:r>
+            <a:r>
+              <a:rPr lang="ko-KR" altLang="en-US" dirty="0" smtClean="0"/>
+              <a:t>에게 </a:t>
+            </a:r>
+            <a:r>
+              <a:rPr lang="ko-KR" altLang="en-US" dirty="0" err="1" smtClean="0"/>
+              <a:t>알림창을</a:t>
+            </a:r>
+            <a:r>
+              <a:rPr lang="ko-KR" altLang="en-US" dirty="0" smtClean="0"/>
+              <a:t> 보냅니다</a:t>
+            </a:r>
+            <a:endParaRPr lang="en-US" altLang="ko-KR" dirty="0" smtClean="0"/>
+          </a:p>
+          <a:p>
+            <a:r>
+              <a:rPr lang="en-US" altLang="ko-KR" dirty="0" smtClean="0"/>
+              <a:t>(socket</a:t>
+            </a:r>
+            <a:r>
+              <a:rPr lang="ko-KR" altLang="en-US" dirty="0" smtClean="0"/>
+              <a:t>활용</a:t>
+            </a:r>
+            <a:r>
+              <a:rPr lang="en-US" altLang="ko-KR" dirty="0" smtClean="0"/>
+              <a:t>)</a:t>
+            </a:r>
+            <a:endParaRPr lang="ko-KR" altLang="en-US" dirty="0"/>
+          </a:p>
+        </p:txBody>
+      </p:sp>
+      <p:sp>
+        <p:nvSpPr>
+          <p:cNvPr id="7" name="액자 6"/>
+          <p:cNvSpPr/>
+          <p:nvPr/>
+        </p:nvSpPr>
+        <p:spPr>
+          <a:xfrm>
+            <a:off x="527830" y="4293096"/>
+            <a:ext cx="2243970" cy="576064"/>
+          </a:xfrm>
+          <a:prstGeom prst="frame">
+            <a:avLst>
+              <a:gd name="adj1" fmla="val 0"/>
+            </a:avLst>
+          </a:prstGeom>
+          <a:ln>
+            <a:solidFill>
+              <a:srgbClr val="FF0000"/>
+            </a:solidFill>
+          </a:ln>
+        </p:spPr>
+        <p:style>
+          <a:lnRef idx="2">
+            <a:schemeClr val="accent1">
+              <a:shade val="50000"/>
+            </a:schemeClr>
+          </a:lnRef>
+          <a:fillRef idx="1">
+            <a:schemeClr val="accent1"/>
+          </a:fillRef>
+          <a:effectRef idx="0">
+            <a:schemeClr val="accent1"/>
+          </a:effectRef>
+          <a:fontRef idx="minor">
+            <a:schemeClr val="lt1"/>
+          </a:fontRef>
+        </p:style>
+        <p:txBody>
+          <a:bodyPr rtlCol="0" anchor="ctr"/>
+          <a:lstStyle/>
+          <a:p>
+            <a:pPr algn="ctr"/>
+            <a:endParaRPr lang="ko-KR" altLang="en-US">
+              <a:solidFill>
+                <a:schemeClr val="tx1"/>
+              </a:solidFill>
+            </a:endParaRPr>
+          </a:p>
+        </p:txBody>
+      </p:sp>
+      <p:cxnSp>
+        <p:nvCxnSpPr>
+          <p:cNvPr id="9" name="직선 화살표 연결선 8"/>
+          <p:cNvCxnSpPr>
+            <a:endCxn id="6" idx="0"/>
+          </p:cNvCxnSpPr>
+          <p:nvPr/>
+        </p:nvCxnSpPr>
+        <p:spPr>
+          <a:xfrm>
+            <a:off x="1649815" y="4869160"/>
+            <a:ext cx="1898233" cy="936104"/>
+          </a:xfrm>
+          <a:prstGeom prst="straightConnector1">
+            <a:avLst/>
+          </a:prstGeom>
+          <a:ln>
+            <a:solidFill>
+              <a:srgbClr val="FF0000"/>
+            </a:solidFill>
+            <a:tailEnd type="arrow"/>
+          </a:ln>
+        </p:spPr>
+        <p:style>
+          <a:lnRef idx="1">
+            <a:schemeClr val="accent1"/>
+          </a:lnRef>
+          <a:fillRef idx="0">
+            <a:schemeClr val="accent1"/>
+          </a:fillRef>
+          <a:effectRef idx="0">
+            <a:schemeClr val="accent1"/>
+          </a:effectRef>
+          <a:fontRef idx="minor">
+            <a:schemeClr val="tx1"/>
+          </a:fontRef>
+        </p:style>
+      </p:cxnSp>
+    </p:spTree>
+    <p:extLst>
+      <p:ext uri="{BB962C8B-B14F-4D97-AF65-F5344CB8AC3E}">
+        <p14:creationId xmlns:p14="http://schemas.microsoft.com/office/powerpoint/2010/main" val="1415894038"/>
+      </p:ext>
+    </p:extLst>
+  </p:cSld>
+  <p:clrMapOvr>
+    <a:masterClrMapping/>
+  </p:clrMapOvr>
+</p:sld>
+</file>
+
+<file path=ppt/slides/slide18.xml><?xml version="1.0" encoding="utf-8"?>
+<p:sld xmlns:a="http://schemas.openxmlformats.org/drawingml/2006/main" xmlns:r="http://schemas.openxmlformats.org/officeDocument/2006/relationships" xmlns:p="http://schemas.openxmlformats.org/presentationml/2006/main">
+  <p:cSld>
+    <p:spTree>
+      <p:nvGrpSpPr>
+        <p:cNvPr id="1" name=""/>
+        <p:cNvGrpSpPr/>
+        <p:nvPr/>
+      </p:nvGrpSpPr>
+      <p:grpSpPr>
+        <a:xfrm>
+          <a:off x="0" y="0"/>
+          <a:ext cx="0" cy="0"/>
+          <a:chOff x="0" y="0"/>
+          <a:chExt cx="0" cy="0"/>
+        </a:xfrm>
+      </p:grpSpPr>
+      <p:sp>
+        <p:nvSpPr>
+          <p:cNvPr id="4" name="TextBox 3"/>
+          <p:cNvSpPr txBox="1"/>
+          <p:nvPr/>
+        </p:nvSpPr>
+        <p:spPr>
+          <a:xfrm>
+            <a:off x="179017" y="225874"/>
+            <a:ext cx="697627" cy="400110"/>
+          </a:xfrm>
+          <a:prstGeom prst="rect">
+            <a:avLst/>
+          </a:prstGeom>
+          <a:noFill/>
+        </p:spPr>
+        <p:txBody>
+          <a:bodyPr wrap="none" rtlCol="0">
+            <a:spAutoFit/>
+          </a:bodyPr>
+          <a:lstStyle/>
+          <a:p>
+            <a:r>
+              <a:rPr lang="ko-KR" altLang="en-US" sz="2000" u="sng" dirty="0" err="1" smtClean="0"/>
+              <a:t>그</a:t>
+            </a:r>
+            <a:r>
+              <a:rPr lang="ko-KR" altLang="en-US" sz="2000" u="sng" dirty="0" err="1"/>
+              <a:t>외</a:t>
+            </a:r>
+            <a:endParaRPr lang="ko-KR" altLang="en-US" sz="2000" u="sng" dirty="0"/>
+          </a:p>
+        </p:txBody>
+      </p:sp>
+      <p:pic>
+        <p:nvPicPr>
+          <p:cNvPr id="5" name="그림 4"/>
+          <p:cNvPicPr>
+            <a:picLocks noChangeAspect="1"/>
+          </p:cNvPicPr>
+          <p:nvPr/>
+        </p:nvPicPr>
+        <p:blipFill>
+          <a:blip r:embed="rId2">
+            <a:extLst>
+              <a:ext uri="{28A0092B-C50C-407E-A947-70E740481C1C}">
+                <a14:useLocalDpi xmlns:a14="http://schemas.microsoft.com/office/drawing/2010/main" val="0"/>
+              </a:ext>
+            </a:extLst>
+          </a:blip>
+          <a:stretch>
+            <a:fillRect/>
+          </a:stretch>
+        </p:blipFill>
+        <p:spPr>
+          <a:xfrm>
+            <a:off x="179017" y="1098100"/>
+            <a:ext cx="5619263" cy="3168352"/>
+          </a:xfrm>
+          <a:prstGeom prst="rect">
+            <a:avLst/>
+          </a:prstGeom>
+        </p:spPr>
+      </p:pic>
+      <p:pic>
+        <p:nvPicPr>
+          <p:cNvPr id="6" name="그림 5"/>
+          <p:cNvPicPr>
+            <a:picLocks noChangeAspect="1"/>
+          </p:cNvPicPr>
+          <p:nvPr/>
+        </p:nvPicPr>
+        <p:blipFill>
+          <a:blip r:embed="rId3" cstate="print">
+            <a:extLst>
+              <a:ext uri="{28A0092B-C50C-407E-A947-70E740481C1C}">
+                <a14:useLocalDpi xmlns:a14="http://schemas.microsoft.com/office/drawing/2010/main" val="0"/>
+              </a:ext>
+            </a:extLst>
+          </a:blip>
+          <a:stretch>
+            <a:fillRect/>
+          </a:stretch>
+        </p:blipFill>
+        <p:spPr>
+          <a:xfrm>
+            <a:off x="5001202" y="4519998"/>
+            <a:ext cx="3376144" cy="2304256"/>
+          </a:xfrm>
+          <a:prstGeom prst="rect">
+            <a:avLst/>
+          </a:prstGeom>
+        </p:spPr>
+      </p:pic>
+      <p:sp>
+        <p:nvSpPr>
+          <p:cNvPr id="7" name="TextBox 6"/>
+          <p:cNvSpPr txBox="1"/>
+          <p:nvPr/>
+        </p:nvSpPr>
+        <p:spPr>
+          <a:xfrm>
+            <a:off x="286179" y="4728669"/>
+            <a:ext cx="3483646" cy="1200329"/>
+          </a:xfrm>
+          <a:prstGeom prst="rect">
+            <a:avLst/>
+          </a:prstGeom>
+          <a:noFill/>
+        </p:spPr>
+        <p:txBody>
+          <a:bodyPr wrap="none" rtlCol="0">
+            <a:spAutoFit/>
+          </a:bodyPr>
+          <a:lstStyle/>
+          <a:p>
+            <a:r>
+              <a:rPr lang="ko-KR" altLang="en-US" dirty="0" smtClean="0"/>
+              <a:t>개호</a:t>
+            </a:r>
+            <a:r>
+              <a:rPr lang="en-US" altLang="ko-KR" dirty="0" smtClean="0"/>
+              <a:t>(</a:t>
+            </a:r>
+            <a:r>
+              <a:rPr lang="ja-JP" altLang="en-US" dirty="0" smtClean="0"/>
+              <a:t>介護</a:t>
+            </a:r>
+            <a:r>
+              <a:rPr lang="en-US" altLang="ko-KR" dirty="0" smtClean="0"/>
+              <a:t>)</a:t>
+            </a:r>
+            <a:r>
+              <a:rPr lang="ko-KR" altLang="en-US" dirty="0" smtClean="0"/>
+              <a:t>와 관련된</a:t>
+            </a:r>
+            <a:endParaRPr lang="en-US" altLang="ko-KR" dirty="0" smtClean="0"/>
+          </a:p>
+          <a:p>
+            <a:r>
+              <a:rPr lang="ko-KR" altLang="en-US" dirty="0" smtClean="0"/>
+              <a:t> </a:t>
+            </a:r>
+            <a:r>
+              <a:rPr lang="en-US" altLang="ko-KR" dirty="0" smtClean="0"/>
+              <a:t>Q&amp;A</a:t>
+            </a:r>
+            <a:r>
+              <a:rPr lang="ko-KR" altLang="en-US" dirty="0" smtClean="0"/>
+              <a:t>글을</a:t>
+            </a:r>
+            <a:r>
+              <a:rPr lang="en-US" altLang="ko-KR" dirty="0" smtClean="0"/>
+              <a:t> </a:t>
+            </a:r>
+            <a:r>
+              <a:rPr lang="ko-KR" altLang="en-US" dirty="0" err="1" smtClean="0"/>
+              <a:t>크롤링</a:t>
+            </a:r>
+            <a:r>
+              <a:rPr lang="ko-KR" altLang="en-US" dirty="0" smtClean="0"/>
+              <a:t> 해보았습니다</a:t>
+            </a:r>
+            <a:endParaRPr lang="en-US" altLang="ko-KR" dirty="0" smtClean="0"/>
+          </a:p>
+          <a:p>
+            <a:r>
+              <a:rPr lang="ko-KR" altLang="en-US" dirty="0" smtClean="0"/>
+              <a:t>페이지에 </a:t>
+            </a:r>
+            <a:r>
+              <a:rPr lang="en-US" altLang="ko-KR" dirty="0" smtClean="0"/>
+              <a:t>access</a:t>
+            </a:r>
+            <a:r>
+              <a:rPr lang="ko-KR" altLang="en-US" dirty="0" smtClean="0"/>
+              <a:t>할 때마다 내용이</a:t>
+            </a:r>
+            <a:endParaRPr lang="en-US" altLang="ko-KR" dirty="0" smtClean="0"/>
+          </a:p>
+          <a:p>
+            <a:r>
+              <a:rPr lang="ko-KR" altLang="en-US" dirty="0" smtClean="0"/>
+              <a:t>랜덤으로</a:t>
+            </a:r>
+            <a:r>
+              <a:rPr lang="en-US" altLang="ko-KR" dirty="0"/>
+              <a:t> </a:t>
+            </a:r>
+            <a:r>
+              <a:rPr lang="ko-KR" altLang="en-US" dirty="0" smtClean="0"/>
+              <a:t>바뀝니다</a:t>
+            </a:r>
+            <a:endParaRPr lang="ko-KR" altLang="en-US" dirty="0"/>
+          </a:p>
+        </p:txBody>
+      </p:sp>
+      <p:cxnSp>
+        <p:nvCxnSpPr>
+          <p:cNvPr id="9" name="직선 화살표 연결선 8"/>
+          <p:cNvCxnSpPr>
+            <a:stCxn id="7" idx="0"/>
+            <a:endCxn id="5" idx="2"/>
+          </p:cNvCxnSpPr>
+          <p:nvPr/>
+        </p:nvCxnSpPr>
+        <p:spPr>
+          <a:xfrm flipV="1">
+            <a:off x="2028002" y="4266452"/>
+            <a:ext cx="960647" cy="462217"/>
+          </a:xfrm>
+          <a:prstGeom prst="straightConnector1">
+            <a:avLst/>
+          </a:prstGeom>
+          <a:ln>
+            <a:solidFill>
+              <a:srgbClr val="FF0000"/>
+            </a:solidFill>
+            <a:tailEnd type="arrow"/>
+          </a:ln>
+        </p:spPr>
+        <p:style>
+          <a:lnRef idx="1">
+            <a:schemeClr val="accent1"/>
+          </a:lnRef>
+          <a:fillRef idx="0">
+            <a:schemeClr val="accent1"/>
+          </a:fillRef>
+          <a:effectRef idx="0">
+            <a:schemeClr val="accent1"/>
+          </a:effectRef>
+          <a:fontRef idx="minor">
+            <a:schemeClr val="tx1"/>
+          </a:fontRef>
+        </p:style>
+      </p:cxnSp>
+      <p:sp>
+        <p:nvSpPr>
+          <p:cNvPr id="10" name="TextBox 9"/>
+          <p:cNvSpPr txBox="1"/>
+          <p:nvPr/>
+        </p:nvSpPr>
+        <p:spPr>
+          <a:xfrm>
+            <a:off x="1118137" y="6013372"/>
+            <a:ext cx="2882520" cy="369332"/>
+          </a:xfrm>
+          <a:prstGeom prst="rect">
+            <a:avLst/>
+          </a:prstGeom>
+          <a:noFill/>
+        </p:spPr>
+        <p:txBody>
+          <a:bodyPr wrap="none" rtlCol="0">
+            <a:spAutoFit/>
+          </a:bodyPr>
+          <a:lstStyle/>
+          <a:p>
+            <a:r>
+              <a:rPr lang="ko-KR" altLang="en-US" dirty="0" smtClean="0"/>
+              <a:t>우측은 </a:t>
+            </a:r>
+            <a:r>
+              <a:rPr lang="ko-KR" altLang="en-US" dirty="0" err="1" smtClean="0"/>
+              <a:t>크롤링</a:t>
+            </a:r>
+            <a:r>
+              <a:rPr lang="ko-KR" altLang="en-US" dirty="0" smtClean="0"/>
+              <a:t> 대상 사이트</a:t>
+            </a:r>
+            <a:endParaRPr lang="en-US" altLang="ko-KR" dirty="0" smtClean="0"/>
+          </a:p>
+        </p:txBody>
+      </p:sp>
+      <p:cxnSp>
+        <p:nvCxnSpPr>
+          <p:cNvPr id="12" name="직선 화살표 연결선 11"/>
+          <p:cNvCxnSpPr>
+            <a:stCxn id="10" idx="3"/>
+            <a:endCxn id="6" idx="1"/>
+          </p:cNvCxnSpPr>
+          <p:nvPr/>
+        </p:nvCxnSpPr>
+        <p:spPr>
+          <a:xfrm flipV="1">
+            <a:off x="4000657" y="5672126"/>
+            <a:ext cx="1000545" cy="525912"/>
+          </a:xfrm>
+          <a:prstGeom prst="straightConnector1">
+            <a:avLst/>
+          </a:prstGeom>
+          <a:ln>
+            <a:solidFill>
+              <a:srgbClr val="FF0000"/>
+            </a:solidFill>
+            <a:tailEnd type="arrow"/>
+          </a:ln>
+        </p:spPr>
+        <p:style>
+          <a:lnRef idx="1">
+            <a:schemeClr val="accent1"/>
+          </a:lnRef>
+          <a:fillRef idx="0">
+            <a:schemeClr val="accent1"/>
+          </a:fillRef>
+          <a:effectRef idx="0">
+            <a:schemeClr val="accent1"/>
+          </a:effectRef>
+          <a:fontRef idx="minor">
+            <a:schemeClr val="tx1"/>
+          </a:fontRef>
+        </p:style>
+      </p:cxnSp>
+    </p:spTree>
+    <p:extLst>
+      <p:ext uri="{BB962C8B-B14F-4D97-AF65-F5344CB8AC3E}">
+        <p14:creationId xmlns:p14="http://schemas.microsoft.com/office/powerpoint/2010/main" val="1008505870"/>
+      </p:ext>
+    </p:extLst>
+  </p:cSld>
+  <p:clrMapOvr>
+    <a:masterClrMapping/>
+  </p:clrMapOvr>
+</p:sld>
+</file>
+
+<file path=ppt/slides/slide19.xml><?xml version="1.0" encoding="utf-8"?>
+<p:sld xmlns:a="http://schemas.openxmlformats.org/drawingml/2006/main" xmlns:r="http://schemas.openxmlformats.org/officeDocument/2006/relationships" xmlns:p="http://schemas.openxmlformats.org/presentationml/2006/main">
+  <p:cSld>
+    <p:spTree>
+      <p:nvGrpSpPr>
+        <p:cNvPr id="1" name=""/>
+        <p:cNvGrpSpPr/>
+        <p:nvPr/>
+      </p:nvGrpSpPr>
+      <p:grpSpPr>
+        <a:xfrm>
+          <a:off x="0" y="0"/>
+          <a:ext cx="0" cy="0"/>
+          <a:chOff x="0" y="0"/>
+          <a:chExt cx="0" cy="0"/>
+        </a:xfrm>
+      </p:grpSpPr>
+      <p:sp>
+        <p:nvSpPr>
+          <p:cNvPr id="4" name="TextBox 3"/>
+          <p:cNvSpPr txBox="1"/>
+          <p:nvPr/>
+        </p:nvSpPr>
+        <p:spPr>
+          <a:xfrm>
+            <a:off x="179017" y="225874"/>
             <a:ext cx="4180953" cy="400110"/>
           </a:xfrm>
           <a:prstGeom prst="rect">
@@ -4796,14 +6841,14 @@
           <p:nvPr>
             <p:extLst>
               <p:ext uri="{D42A27DB-BD31-4B8C-83A1-F6EECF244321}">
-                <p14:modId xmlns:p14="http://schemas.microsoft.com/office/powerpoint/2010/main" val="1875130901"/>
+                <p14:modId xmlns:p14="http://schemas.microsoft.com/office/powerpoint/2010/main" val="1944862252"/>
               </p:ext>
             </p:extLst>
           </p:nvPr>
         </p:nvGraphicFramePr>
         <p:xfrm>
           <a:off x="1187624" y="1772816"/>
-          <a:ext cx="6096000" cy="3337560"/>
+          <a:ext cx="6096000" cy="3708400"/>
         </p:xfrm>
         <a:graphic>
           <a:graphicData uri="http://schemas.openxmlformats.org/drawingml/2006/table">
@@ -4929,6 +6974,38 @@
                         <a:rPr lang="en-US" altLang="ko-KR" dirty="0" smtClean="0"/>
                         <a:t>8.X</a:t>
                       </a:r>
+                      <a:endParaRPr lang="ko-KR" altLang="en-US" dirty="0"/>
+                    </a:p>
+                  </a:txBody>
+                  <a:tcPr/>
+                </a:tc>
+              </a:tr>
+              <a:tr h="370840">
+                <a:tc>
+                  <a:txBody>
+                    <a:bodyPr/>
+                    <a:lstStyle/>
+                    <a:p>
+                      <a:pPr algn="ctr" latinLnBrk="1"/>
+                      <a:r>
+                        <a:rPr lang="en-US" altLang="ko-KR" dirty="0" smtClean="0"/>
+                        <a:t>JPA</a:t>
+                      </a:r>
+                      <a:r>
+                        <a:rPr lang="en-US" altLang="ko-KR" baseline="0" dirty="0" smtClean="0"/>
+                        <a:t> Hibernate</a:t>
+                      </a:r>
+                      <a:endParaRPr lang="ko-KR" altLang="en-US" dirty="0"/>
+                    </a:p>
+                  </a:txBody>
+                  <a:tcPr/>
+                </a:tc>
+                <a:tc>
+                  <a:txBody>
+                    <a:bodyPr/>
+                    <a:lstStyle/>
+                    <a:p>
+                      <a:pPr algn="ctr" latinLnBrk="1"/>
                       <a:endParaRPr lang="ko-KR" altLang="en-US" dirty="0"/>
                     </a:p>
                   </a:txBody>
@@ -5119,135 +7196,6 @@
 </p:sld>
 </file>
 
-<file path=ppt/slides/slide14.xml><?xml version="1.0" encoding="utf-8"?>
-<p:sld xmlns:a="http://schemas.openxmlformats.org/drawingml/2006/main" xmlns:r="http://schemas.openxmlformats.org/officeDocument/2006/relationships" xmlns:p="http://schemas.openxmlformats.org/presentationml/2006/main">
-  <p:cSld>
-    <p:spTree>
-      <p:nvGrpSpPr>
-        <p:cNvPr id="1" name=""/>
-        <p:cNvGrpSpPr/>
-        <p:nvPr/>
-      </p:nvGrpSpPr>
-      <p:grpSpPr>
-        <a:xfrm>
-          <a:off x="0" y="0"/>
-          <a:ext cx="0" cy="0"/>
-          <a:chOff x="0" y="0"/>
-          <a:chExt cx="0" cy="0"/>
-        </a:xfrm>
-      </p:grpSpPr>
-      <p:sp>
-        <p:nvSpPr>
-          <p:cNvPr id="4" name="TextBox 3"/>
-          <p:cNvSpPr txBox="1"/>
-          <p:nvPr/>
-        </p:nvSpPr>
-        <p:spPr>
-          <a:xfrm>
-            <a:off x="179017" y="225874"/>
-            <a:ext cx="1781257" cy="400110"/>
-          </a:xfrm>
-          <a:prstGeom prst="rect">
-            <a:avLst/>
-          </a:prstGeom>
-          <a:noFill/>
-        </p:spPr>
-        <p:txBody>
-          <a:bodyPr wrap="none" rtlCol="0">
-            <a:spAutoFit/>
-          </a:bodyPr>
-          <a:lstStyle/>
-          <a:p>
-            <a:r>
-              <a:rPr lang="ko-KR" altLang="en-US" sz="2000" u="sng" dirty="0" smtClean="0"/>
-              <a:t>참조한 사이트</a:t>
-            </a:r>
-            <a:endParaRPr lang="ko-KR" altLang="en-US" sz="2000" u="sng" dirty="0"/>
-          </a:p>
-        </p:txBody>
-      </p:sp>
-      <p:sp>
-        <p:nvSpPr>
-          <p:cNvPr id="5" name="TextBox 4"/>
-          <p:cNvSpPr txBox="1"/>
-          <p:nvPr/>
-        </p:nvSpPr>
-        <p:spPr>
-          <a:xfrm>
-            <a:off x="755576" y="1916832"/>
-            <a:ext cx="3325206" cy="646331"/>
-          </a:xfrm>
-          <a:prstGeom prst="rect">
-            <a:avLst/>
-          </a:prstGeom>
-          <a:noFill/>
-        </p:spPr>
-        <p:txBody>
-          <a:bodyPr wrap="none" rtlCol="0">
-            <a:spAutoFit/>
-          </a:bodyPr>
-          <a:lstStyle/>
-          <a:p>
-            <a:r>
-              <a:rPr lang="en-US" altLang="ko-KR" dirty="0" smtClean="0"/>
-              <a:t>-</a:t>
-            </a:r>
-            <a:r>
-              <a:rPr lang="ja-JP" altLang="en-US" dirty="0" smtClean="0"/>
-              <a:t>みんなの介護</a:t>
-            </a:r>
-            <a:r>
-              <a:rPr lang="en-US" altLang="ja-JP" dirty="0" smtClean="0"/>
-              <a:t>(</a:t>
-            </a:r>
-            <a:r>
-              <a:rPr lang="ko-KR" altLang="en-US" dirty="0" smtClean="0"/>
-              <a:t>구성</a:t>
-            </a:r>
-            <a:r>
-              <a:rPr lang="en-US" altLang="ko-KR" dirty="0" smtClean="0"/>
-              <a:t>, </a:t>
-            </a:r>
-            <a:r>
-              <a:rPr lang="ko-KR" altLang="en-US" dirty="0" smtClean="0"/>
-              <a:t>디자인</a:t>
-            </a:r>
-            <a:r>
-              <a:rPr lang="en-US" altLang="ko-KR" dirty="0" smtClean="0"/>
-              <a:t>)</a:t>
-            </a:r>
-          </a:p>
-          <a:p>
-            <a:r>
-              <a:rPr lang="en-US" altLang="ko-KR" dirty="0" smtClean="0">
-                <a:hlinkClick r:id="rId2"/>
-              </a:rPr>
-              <a:t>https://www.minnanokaigo.com/</a:t>
-            </a:r>
-            <a:endParaRPr lang="ko-KR" altLang="en-US" dirty="0"/>
-          </a:p>
-        </p:txBody>
-      </p:sp>
-    </p:spTree>
-    <p:extLst>
-      <p:ext uri="{BB962C8B-B14F-4D97-AF65-F5344CB8AC3E}">
-        <p14:creationId xmlns:p14="http://schemas.microsoft.com/office/powerpoint/2010/main" val="2633520779"/>
-      </p:ext>
-    </p:extLst>
-  </p:cSld>
-  <p:clrMapOvr>
-    <a:masterClrMapping/>
-  </p:clrMapOvr>
-  <p:timing>
-    <p:tnLst>
-      <p:par>
-        <p:cTn id="1" dur="indefinite" restart="never" nodeType="tmRoot"/>
-      </p:par>
-    </p:tnLst>
-  </p:timing>
-</p:sld>
-</file>
-
 <file path=ppt/slides/slide2.xml><?xml version="1.0" encoding="utf-8"?>
 <p:sld xmlns:a="http://schemas.openxmlformats.org/drawingml/2006/main" xmlns:r="http://schemas.openxmlformats.org/officeDocument/2006/relationships" xmlns:p="http://schemas.openxmlformats.org/presentationml/2006/main">
   <p:cSld>
@@ -5765,6 +7713,144 @@
     <p:extLst>
       <p:ext uri="{BB962C8B-B14F-4D97-AF65-F5344CB8AC3E}">
         <p14:creationId xmlns:p14="http://schemas.microsoft.com/office/powerpoint/2010/main" val="3791656241"/>
+      </p:ext>
+    </p:extLst>
+  </p:cSld>
+  <p:clrMapOvr>
+    <a:masterClrMapping/>
+  </p:clrMapOvr>
+  <p:timing>
+    <p:tnLst>
+      <p:par>
+        <p:cTn id="1" dur="indefinite" restart="never" nodeType="tmRoot"/>
+      </p:par>
+    </p:tnLst>
+  </p:timing>
+</p:sld>
+</file>
+
+<file path=ppt/slides/slide20.xml><?xml version="1.0" encoding="utf-8"?>
+<p:sld xmlns:a="http://schemas.openxmlformats.org/drawingml/2006/main" xmlns:r="http://schemas.openxmlformats.org/officeDocument/2006/relationships" xmlns:p="http://schemas.openxmlformats.org/presentationml/2006/main">
+  <p:cSld>
+    <p:spTree>
+      <p:nvGrpSpPr>
+        <p:cNvPr id="1" name=""/>
+        <p:cNvGrpSpPr/>
+        <p:nvPr/>
+      </p:nvGrpSpPr>
+      <p:grpSpPr>
+        <a:xfrm>
+          <a:off x="0" y="0"/>
+          <a:ext cx="0" cy="0"/>
+          <a:chOff x="0" y="0"/>
+          <a:chExt cx="0" cy="0"/>
+        </a:xfrm>
+      </p:grpSpPr>
+      <p:sp>
+        <p:nvSpPr>
+          <p:cNvPr id="4" name="TextBox 3"/>
+          <p:cNvSpPr txBox="1"/>
+          <p:nvPr/>
+        </p:nvSpPr>
+        <p:spPr>
+          <a:xfrm>
+            <a:off x="179017" y="225874"/>
+            <a:ext cx="1781257" cy="400110"/>
+          </a:xfrm>
+          <a:prstGeom prst="rect">
+            <a:avLst/>
+          </a:prstGeom>
+          <a:noFill/>
+        </p:spPr>
+        <p:txBody>
+          <a:bodyPr wrap="none" rtlCol="0">
+            <a:spAutoFit/>
+          </a:bodyPr>
+          <a:lstStyle/>
+          <a:p>
+            <a:r>
+              <a:rPr lang="ko-KR" altLang="en-US" sz="2000" u="sng" dirty="0" smtClean="0"/>
+              <a:t>참조한 사이트</a:t>
+            </a:r>
+            <a:endParaRPr lang="ko-KR" altLang="en-US" sz="2000" u="sng" dirty="0"/>
+          </a:p>
+        </p:txBody>
+      </p:sp>
+      <p:sp>
+        <p:nvSpPr>
+          <p:cNvPr id="5" name="TextBox 4"/>
+          <p:cNvSpPr txBox="1"/>
+          <p:nvPr/>
+        </p:nvSpPr>
+        <p:spPr>
+          <a:xfrm>
+            <a:off x="755576" y="1916832"/>
+            <a:ext cx="3902030" cy="646331"/>
+          </a:xfrm>
+          <a:prstGeom prst="rect">
+            <a:avLst/>
+          </a:prstGeom>
+          <a:noFill/>
+        </p:spPr>
+        <p:txBody>
+          <a:bodyPr wrap="none" rtlCol="0">
+            <a:spAutoFit/>
+          </a:bodyPr>
+          <a:lstStyle/>
+          <a:p>
+            <a:r>
+              <a:rPr lang="en-US" altLang="ko-KR" dirty="0" smtClean="0"/>
+              <a:t>-</a:t>
+            </a:r>
+            <a:r>
+              <a:rPr lang="ja-JP" altLang="en-US" dirty="0" smtClean="0"/>
+              <a:t>みんなの介護</a:t>
+            </a:r>
+            <a:r>
+              <a:rPr lang="en-US" altLang="ja-JP" dirty="0" smtClean="0"/>
+              <a:t>(</a:t>
+            </a:r>
+            <a:r>
+              <a:rPr lang="ko-KR" altLang="en-US" dirty="0" smtClean="0"/>
+              <a:t>구성</a:t>
+            </a:r>
+            <a:r>
+              <a:rPr lang="en-US" altLang="ko-KR" dirty="0" smtClean="0"/>
+              <a:t>, </a:t>
+            </a:r>
+            <a:r>
+              <a:rPr lang="ko-KR" altLang="en-US" dirty="0" smtClean="0"/>
+              <a:t>디자인</a:t>
+            </a:r>
+            <a:r>
+              <a:rPr lang="en-US" altLang="ko-KR" dirty="0" smtClean="0"/>
+              <a:t>, </a:t>
+            </a:r>
+            <a:r>
+              <a:rPr lang="ko-KR" altLang="en-US" dirty="0" err="1" smtClean="0"/>
+              <a:t>크롤링</a:t>
+            </a:r>
+            <a:r>
+              <a:rPr lang="en-US" altLang="ko-KR" dirty="0" smtClean="0"/>
+              <a:t>)</a:t>
+            </a:r>
+            <a:endParaRPr lang="en-US" altLang="ko-KR" dirty="0" smtClean="0"/>
+          </a:p>
+          <a:p>
+            <a:r>
+              <a:rPr lang="en-US" altLang="ko-KR" dirty="0" smtClean="0">
+                <a:hlinkClick r:id="rId2"/>
+              </a:rPr>
+              <a:t>https://www.minnanokaigo.com/</a:t>
+            </a:r>
+            <a:endParaRPr lang="ko-KR" altLang="en-US" dirty="0"/>
+          </a:p>
+        </p:txBody>
+      </p:sp>
+    </p:spTree>
+    <p:extLst>
+      <p:ext uri="{BB962C8B-B14F-4D97-AF65-F5344CB8AC3E}">
+        <p14:creationId xmlns:p14="http://schemas.microsoft.com/office/powerpoint/2010/main" val="2633520779"/>
       </p:ext>
     </p:extLst>
   </p:cSld>
